--- a/2 前端/《JavaScript忍者秘籍（第2版）》.pptx
+++ b/2 前端/《JavaScript忍者秘籍（第2版）》.pptx
@@ -5,10 +5,15 @@
     <p:sldMasterId id="2147483648" r:id="rId1"/>
   </p:sldMasterIdLst>
   <p:notesMasterIdLst>
-    <p:notesMasterId r:id="rId3"/>
+    <p:notesMasterId r:id="rId8"/>
   </p:notesMasterIdLst>
   <p:sldIdLst>
     <p:sldId id="704" r:id="rId2"/>
+    <p:sldId id="709" r:id="rId3"/>
+    <p:sldId id="708" r:id="rId4"/>
+    <p:sldId id="707" r:id="rId5"/>
+    <p:sldId id="705" r:id="rId6"/>
+    <p:sldId id="706" r:id="rId7"/>
   </p:sldIdLst>
   <p:sldSz cx="12192000" cy="6858000"/>
   <p:notesSz cx="6858000" cy="9144000"/>
@@ -200,7 +205,7 @@
           <a:p>
             <a:fld id="{7F25A8C7-CC1A-4A08-9B4B-31F43B054C7F}" type="datetimeFigureOut">
               <a:rPr lang="zh-CN" altLang="en-US" smtClean="0"/>
-              <a:t>2021/4/14</a:t>
+              <a:t>2021/4/15</a:t>
             </a:fld>
             <a:endParaRPr lang="zh-CN" altLang="en-US"/>
           </a:p>
@@ -496,7 +501,7 @@
           <a:p>
             <a:fld id="{760FBDFE-C587-4B4C-A407-44438C67B59E}" type="datetimeFigureOut">
               <a:rPr lang="zh-CN" altLang="en-US" smtClean="0"/>
-              <a:t>2021/4/14</a:t>
+              <a:t>2021/4/15</a:t>
             </a:fld>
             <a:endParaRPr lang="zh-CN" altLang="en-US"/>
           </a:p>
@@ -717,7 +722,7 @@
           <a:p>
             <a:fld id="{D997B5FA-0921-464F-AAE1-844C04324D75}" type="datetimeFigureOut">
               <a:rPr lang="zh-CN" altLang="en-US" smtClean="0"/>
-              <a:t>2021/4/14</a:t>
+              <a:t>2021/4/15</a:t>
             </a:fld>
             <a:endParaRPr lang="zh-CN" altLang="en-US" dirty="0"/>
           </a:p>
@@ -1161,6 +1166,549 @@
       </p:grpSpPr>
       <p:sp>
         <p:nvSpPr>
+          <p:cNvPr id="47" name="文本框 46">
+            <a:extLst>
+              <a:ext uri="{FF2B5EF4-FFF2-40B4-BE49-F238E27FC236}">
+                <a16:creationId xmlns:a16="http://schemas.microsoft.com/office/drawing/2014/main" id="{E2EF3B4C-7775-4D07-AA7B-E56542739ED6}"/>
+              </a:ext>
+            </a:extLst>
+          </p:cNvPr>
+          <p:cNvSpPr txBox="1"/>
+          <p:nvPr/>
+        </p:nvSpPr>
+        <p:spPr>
+          <a:xfrm>
+            <a:off x="674238" y="630177"/>
+            <a:ext cx="2646878" cy="830997"/>
+          </a:xfrm>
+          <a:prstGeom prst="rect">
+            <a:avLst/>
+          </a:prstGeom>
+        </p:spPr>
+        <p:txBody>
+          <a:bodyPr wrap="none">
+            <a:spAutoFit/>
+          </a:bodyPr>
+          <a:lstStyle>
+            <a:defPPr>
+              <a:defRPr lang="zh-CN"/>
+            </a:defPPr>
+            <a:lvl1pPr>
+              <a:defRPr sz="4000" b="1">
+                <a:solidFill>
+                  <a:schemeClr val="bg2">
+                    <a:lumMod val="90000"/>
+                  </a:schemeClr>
+                </a:solidFill>
+                <a:latin typeface="Open Sans"/>
+              </a:defRPr>
+            </a:lvl1pPr>
+          </a:lstStyle>
+          <a:p>
+            <a:r>
+              <a:rPr lang="zh-CN" altLang="en-US" sz="4800" dirty="0">
+                <a:solidFill>
+                  <a:srgbClr val="00B0F0"/>
+                </a:solidFill>
+              </a:rPr>
+              <a:t>数据类型</a:t>
+            </a:r>
+          </a:p>
+        </p:txBody>
+      </p:sp>
+      <p:sp>
+        <p:nvSpPr>
+          <p:cNvPr id="37" name="文本框 36">
+            <a:extLst>
+              <a:ext uri="{FF2B5EF4-FFF2-40B4-BE49-F238E27FC236}">
+                <a16:creationId xmlns:a16="http://schemas.microsoft.com/office/drawing/2014/main" id="{89065613-2589-5649-8FBA-3226869986D0}"/>
+              </a:ext>
+            </a:extLst>
+          </p:cNvPr>
+          <p:cNvSpPr txBox="1"/>
+          <p:nvPr/>
+        </p:nvSpPr>
+        <p:spPr>
+          <a:xfrm>
+            <a:off x="1658977" y="2036946"/>
+            <a:ext cx="2069797" cy="471219"/>
+          </a:xfrm>
+          <a:prstGeom prst="rect">
+            <a:avLst/>
+          </a:prstGeom>
+        </p:spPr>
+        <p:txBody>
+          <a:bodyPr wrap="none">
+            <a:spAutoFit/>
+          </a:bodyPr>
+          <a:lstStyle>
+            <a:defPPr>
+              <a:defRPr lang="zh-CN"/>
+            </a:defPPr>
+            <a:lvl1pPr>
+              <a:lnSpc>
+                <a:spcPct val="150000"/>
+              </a:lnSpc>
+              <a:defRPr b="0">
+                <a:solidFill>
+                  <a:schemeClr val="tx1">
+                    <a:lumMod val="75000"/>
+                    <a:lumOff val="25000"/>
+                  </a:schemeClr>
+                </a:solidFill>
+                <a:latin typeface="PingFang SC Thin" panose="020B0200000000000000" pitchFamily="34" charset="-122"/>
+                <a:ea typeface="PingFang SC Thin" panose="020B0200000000000000" pitchFamily="34" charset="-122"/>
+              </a:defRPr>
+            </a:lvl1pPr>
+          </a:lstStyle>
+          <a:p>
+            <a:r>
+              <a:rPr lang="zh-CN" altLang="en-US" dirty="0"/>
+              <a:t>数组、对象、集合</a:t>
+            </a:r>
+          </a:p>
+        </p:txBody>
+      </p:sp>
+    </p:spTree>
+    <p:extLst>
+      <p:ext uri="{BB962C8B-B14F-4D97-AF65-F5344CB8AC3E}">
+        <p14:creationId xmlns:p14="http://schemas.microsoft.com/office/powerpoint/2010/main" val="2191091071"/>
+      </p:ext>
+    </p:extLst>
+  </p:cSld>
+  <p:clrMapOvr>
+    <a:masterClrMapping/>
+  </p:clrMapOvr>
+</p:sld>
+</file>
+
+<file path=ppt/slides/slide2.xml><?xml version="1.0" encoding="utf-8"?>
+<p:sld xmlns:a="http://schemas.openxmlformats.org/drawingml/2006/main" xmlns:r="http://schemas.openxmlformats.org/officeDocument/2006/relationships" xmlns:p="http://schemas.openxmlformats.org/presentationml/2006/main">
+  <p:cSld>
+    <p:spTree>
+      <p:nvGrpSpPr>
+        <p:cNvPr id="1" name=""/>
+        <p:cNvGrpSpPr/>
+        <p:nvPr/>
+      </p:nvGrpSpPr>
+      <p:grpSpPr>
+        <a:xfrm>
+          <a:off x="0" y="0"/>
+          <a:ext cx="0" cy="0"/>
+          <a:chOff x="0" y="0"/>
+          <a:chExt cx="0" cy="0"/>
+        </a:xfrm>
+      </p:grpSpPr>
+      <p:sp>
+        <p:nvSpPr>
+          <p:cNvPr id="47" name="文本框 46">
+            <a:extLst>
+              <a:ext uri="{FF2B5EF4-FFF2-40B4-BE49-F238E27FC236}">
+                <a16:creationId xmlns:a16="http://schemas.microsoft.com/office/drawing/2014/main" id="{E2EF3B4C-7775-4D07-AA7B-E56542739ED6}"/>
+              </a:ext>
+            </a:extLst>
+          </p:cNvPr>
+          <p:cNvSpPr txBox="1"/>
+          <p:nvPr/>
+        </p:nvSpPr>
+        <p:spPr>
+          <a:xfrm>
+            <a:off x="674238" y="630177"/>
+            <a:ext cx="1415772" cy="830997"/>
+          </a:xfrm>
+          <a:prstGeom prst="rect">
+            <a:avLst/>
+          </a:prstGeom>
+        </p:spPr>
+        <p:txBody>
+          <a:bodyPr wrap="none">
+            <a:spAutoFit/>
+          </a:bodyPr>
+          <a:lstStyle>
+            <a:defPPr>
+              <a:defRPr lang="zh-CN"/>
+            </a:defPPr>
+            <a:lvl1pPr>
+              <a:defRPr sz="4000" b="1">
+                <a:solidFill>
+                  <a:schemeClr val="bg2">
+                    <a:lumMod val="90000"/>
+                  </a:schemeClr>
+                </a:solidFill>
+                <a:latin typeface="Open Sans"/>
+              </a:defRPr>
+            </a:lvl1pPr>
+          </a:lstStyle>
+          <a:p>
+            <a:r>
+              <a:rPr lang="zh-CN" altLang="en-US" sz="4800" dirty="0">
+                <a:solidFill>
+                  <a:srgbClr val="00B0F0"/>
+                </a:solidFill>
+              </a:rPr>
+              <a:t>函数</a:t>
+            </a:r>
+          </a:p>
+        </p:txBody>
+      </p:sp>
+    </p:spTree>
+    <p:extLst>
+      <p:ext uri="{BB962C8B-B14F-4D97-AF65-F5344CB8AC3E}">
+        <p14:creationId xmlns:p14="http://schemas.microsoft.com/office/powerpoint/2010/main" val="2427599093"/>
+      </p:ext>
+    </p:extLst>
+  </p:cSld>
+  <p:clrMapOvr>
+    <a:masterClrMapping/>
+  </p:clrMapOvr>
+</p:sld>
+</file>
+
+<file path=ppt/slides/slide3.xml><?xml version="1.0" encoding="utf-8"?>
+<p:sld xmlns:a="http://schemas.openxmlformats.org/drawingml/2006/main" xmlns:r="http://schemas.openxmlformats.org/officeDocument/2006/relationships" xmlns:p="http://schemas.openxmlformats.org/presentationml/2006/main">
+  <p:cSld>
+    <p:spTree>
+      <p:nvGrpSpPr>
+        <p:cNvPr id="1" name=""/>
+        <p:cNvGrpSpPr/>
+        <p:nvPr/>
+      </p:nvGrpSpPr>
+      <p:grpSpPr>
+        <a:xfrm>
+          <a:off x="0" y="0"/>
+          <a:ext cx="0" cy="0"/>
+          <a:chOff x="0" y="0"/>
+          <a:chExt cx="0" cy="0"/>
+        </a:xfrm>
+      </p:grpSpPr>
+      <p:sp>
+        <p:nvSpPr>
+          <p:cNvPr id="47" name="文本框 46">
+            <a:extLst>
+              <a:ext uri="{FF2B5EF4-FFF2-40B4-BE49-F238E27FC236}">
+                <a16:creationId xmlns:a16="http://schemas.microsoft.com/office/drawing/2014/main" id="{E2EF3B4C-7775-4D07-AA7B-E56542739ED6}"/>
+              </a:ext>
+            </a:extLst>
+          </p:cNvPr>
+          <p:cNvSpPr txBox="1"/>
+          <p:nvPr/>
+        </p:nvSpPr>
+        <p:spPr>
+          <a:xfrm>
+            <a:off x="674238" y="630177"/>
+            <a:ext cx="3262432" cy="830997"/>
+          </a:xfrm>
+          <a:prstGeom prst="rect">
+            <a:avLst/>
+          </a:prstGeom>
+        </p:spPr>
+        <p:txBody>
+          <a:bodyPr wrap="none">
+            <a:spAutoFit/>
+          </a:bodyPr>
+          <a:lstStyle>
+            <a:defPPr>
+              <a:defRPr lang="zh-CN"/>
+            </a:defPPr>
+            <a:lvl1pPr>
+              <a:defRPr sz="4000" b="1">
+                <a:solidFill>
+                  <a:schemeClr val="bg2">
+                    <a:lumMod val="90000"/>
+                  </a:schemeClr>
+                </a:solidFill>
+                <a:latin typeface="Open Sans"/>
+              </a:defRPr>
+            </a:lvl1pPr>
+          </a:lstStyle>
+          <a:p>
+            <a:r>
+              <a:rPr lang="zh-CN" altLang="en-US" sz="4800" dirty="0">
+                <a:solidFill>
+                  <a:srgbClr val="00B0F0"/>
+                </a:solidFill>
+              </a:rPr>
+              <a:t>对象、继承</a:t>
+            </a:r>
+          </a:p>
+        </p:txBody>
+      </p:sp>
+    </p:spTree>
+    <p:extLst>
+      <p:ext uri="{BB962C8B-B14F-4D97-AF65-F5344CB8AC3E}">
+        <p14:creationId xmlns:p14="http://schemas.microsoft.com/office/powerpoint/2010/main" val="1493722104"/>
+      </p:ext>
+    </p:extLst>
+  </p:cSld>
+  <p:clrMapOvr>
+    <a:masterClrMapping/>
+  </p:clrMapOvr>
+</p:sld>
+</file>
+
+<file path=ppt/slides/slide4.xml><?xml version="1.0" encoding="utf-8"?>
+<p:sld xmlns:a="http://schemas.openxmlformats.org/drawingml/2006/main" xmlns:r="http://schemas.openxmlformats.org/officeDocument/2006/relationships" xmlns:p="http://schemas.openxmlformats.org/presentationml/2006/main">
+  <p:cSld>
+    <p:spTree>
+      <p:nvGrpSpPr>
+        <p:cNvPr id="1" name=""/>
+        <p:cNvGrpSpPr/>
+        <p:nvPr/>
+      </p:nvGrpSpPr>
+      <p:grpSpPr>
+        <a:xfrm>
+          <a:off x="0" y="0"/>
+          <a:ext cx="0" cy="0"/>
+          <a:chOff x="0" y="0"/>
+          <a:chExt cx="0" cy="0"/>
+        </a:xfrm>
+      </p:grpSpPr>
+      <p:sp>
+        <p:nvSpPr>
+          <p:cNvPr id="47" name="文本框 46">
+            <a:extLst>
+              <a:ext uri="{FF2B5EF4-FFF2-40B4-BE49-F238E27FC236}">
+                <a16:creationId xmlns:a16="http://schemas.microsoft.com/office/drawing/2014/main" id="{E2EF3B4C-7775-4D07-AA7B-E56542739ED6}"/>
+              </a:ext>
+            </a:extLst>
+          </p:cNvPr>
+          <p:cNvSpPr txBox="1"/>
+          <p:nvPr/>
+        </p:nvSpPr>
+        <p:spPr>
+          <a:xfrm>
+            <a:off x="674238" y="630177"/>
+            <a:ext cx="1415772" cy="830997"/>
+          </a:xfrm>
+          <a:prstGeom prst="rect">
+            <a:avLst/>
+          </a:prstGeom>
+        </p:spPr>
+        <p:txBody>
+          <a:bodyPr wrap="none">
+            <a:spAutoFit/>
+          </a:bodyPr>
+          <a:lstStyle>
+            <a:defPPr>
+              <a:defRPr lang="zh-CN"/>
+            </a:defPPr>
+            <a:lvl1pPr>
+              <a:defRPr sz="4000" b="1">
+                <a:solidFill>
+                  <a:schemeClr val="bg2">
+                    <a:lumMod val="90000"/>
+                  </a:schemeClr>
+                </a:solidFill>
+                <a:latin typeface="Open Sans"/>
+              </a:defRPr>
+            </a:lvl1pPr>
+          </a:lstStyle>
+          <a:p>
+            <a:r>
+              <a:rPr lang="zh-CN" altLang="en-US" sz="4800" dirty="0">
+                <a:solidFill>
+                  <a:srgbClr val="00B0F0"/>
+                </a:solidFill>
+              </a:rPr>
+              <a:t>事件</a:t>
+            </a:r>
+          </a:p>
+        </p:txBody>
+      </p:sp>
+      <p:sp>
+        <p:nvSpPr>
+          <p:cNvPr id="36" name="文本框 35">
+            <a:extLst>
+              <a:ext uri="{FF2B5EF4-FFF2-40B4-BE49-F238E27FC236}">
+                <a16:creationId xmlns:a16="http://schemas.microsoft.com/office/drawing/2014/main" id="{E920AD70-E103-184B-8196-2C0EDFE053C9}"/>
+              </a:ext>
+            </a:extLst>
+          </p:cNvPr>
+          <p:cNvSpPr txBox="1"/>
+          <p:nvPr/>
+        </p:nvSpPr>
+        <p:spPr>
+          <a:xfrm>
+            <a:off x="1875509" y="2126784"/>
+            <a:ext cx="2305439" cy="1717714"/>
+          </a:xfrm>
+          <a:prstGeom prst="rect">
+            <a:avLst/>
+          </a:prstGeom>
+        </p:spPr>
+        <p:txBody>
+          <a:bodyPr wrap="none">
+            <a:spAutoFit/>
+          </a:bodyPr>
+          <a:lstStyle>
+            <a:defPPr>
+              <a:defRPr lang="zh-CN"/>
+            </a:defPPr>
+            <a:lvl1pPr>
+              <a:defRPr sz="4000" b="1">
+                <a:solidFill>
+                  <a:schemeClr val="bg2">
+                    <a:lumMod val="90000"/>
+                  </a:schemeClr>
+                </a:solidFill>
+                <a:latin typeface="Open Sans"/>
+              </a:defRPr>
+            </a:lvl1pPr>
+          </a:lstStyle>
+          <a:p>
+            <a:pPr>
+              <a:lnSpc>
+                <a:spcPct val="150000"/>
+              </a:lnSpc>
+            </a:pPr>
+            <a:r>
+              <a:rPr lang="zh-CN" altLang="en-US" sz="1800" b="0" dirty="0">
+                <a:solidFill>
+                  <a:schemeClr val="tx1">
+                    <a:lumMod val="75000"/>
+                    <a:lumOff val="25000"/>
+                  </a:schemeClr>
+                </a:solidFill>
+                <a:latin typeface="PingFang SC Thin" panose="020B0200000000000000" pitchFamily="34" charset="-122"/>
+                <a:ea typeface="PingFang SC Thin" panose="020B0200000000000000" pitchFamily="34" charset="-122"/>
+              </a:rPr>
+              <a:t>宏任务、微任务</a:t>
+            </a:r>
+            <a:endParaRPr lang="en-US" altLang="zh-CN" sz="1800" b="0" dirty="0">
+              <a:solidFill>
+                <a:schemeClr val="tx1">
+                  <a:lumMod val="75000"/>
+                  <a:lumOff val="25000"/>
+                </a:schemeClr>
+              </a:solidFill>
+              <a:latin typeface="PingFang SC Thin" panose="020B0200000000000000" pitchFamily="34" charset="-122"/>
+              <a:ea typeface="PingFang SC Thin" panose="020B0200000000000000" pitchFamily="34" charset="-122"/>
+            </a:endParaRPr>
+          </a:p>
+          <a:p>
+            <a:pPr>
+              <a:lnSpc>
+                <a:spcPct val="150000"/>
+              </a:lnSpc>
+            </a:pPr>
+            <a:r>
+              <a:rPr lang="zh-CN" altLang="en-US" sz="1800" b="0" dirty="0">
+                <a:solidFill>
+                  <a:schemeClr val="tx1">
+                    <a:lumMod val="75000"/>
+                    <a:lumOff val="25000"/>
+                  </a:schemeClr>
+                </a:solidFill>
+                <a:latin typeface="PingFang SC Thin" panose="020B0200000000000000" pitchFamily="34" charset="-122"/>
+                <a:ea typeface="PingFang SC Thin" panose="020B0200000000000000" pitchFamily="34" charset="-122"/>
+              </a:rPr>
+              <a:t>定时器</a:t>
+            </a:r>
+            <a:endParaRPr lang="en-US" altLang="zh-CN" sz="1800" b="0" dirty="0">
+              <a:solidFill>
+                <a:schemeClr val="tx1">
+                  <a:lumMod val="75000"/>
+                  <a:lumOff val="25000"/>
+                </a:schemeClr>
+              </a:solidFill>
+              <a:latin typeface="PingFang SC Thin" panose="020B0200000000000000" pitchFamily="34" charset="-122"/>
+              <a:ea typeface="PingFang SC Thin" panose="020B0200000000000000" pitchFamily="34" charset="-122"/>
+            </a:endParaRPr>
+          </a:p>
+          <a:p>
+            <a:pPr>
+              <a:lnSpc>
+                <a:spcPct val="150000"/>
+              </a:lnSpc>
+            </a:pPr>
+            <a:r>
+              <a:rPr lang="zh-CN" altLang="en-US" sz="1800" b="0" dirty="0">
+                <a:solidFill>
+                  <a:schemeClr val="tx1">
+                    <a:lumMod val="75000"/>
+                    <a:lumOff val="25000"/>
+                  </a:schemeClr>
+                </a:solidFill>
+                <a:latin typeface="PingFang SC Thin" panose="020B0200000000000000" pitchFamily="34" charset="-122"/>
+                <a:ea typeface="PingFang SC Thin" panose="020B0200000000000000" pitchFamily="34" charset="-122"/>
+              </a:rPr>
+              <a:t>事件捕捉、事件冒泡</a:t>
+            </a:r>
+            <a:endParaRPr lang="en-US" altLang="zh-CN" sz="1800" b="0" dirty="0">
+              <a:solidFill>
+                <a:schemeClr val="tx1">
+                  <a:lumMod val="75000"/>
+                  <a:lumOff val="25000"/>
+                </a:schemeClr>
+              </a:solidFill>
+              <a:latin typeface="PingFang SC Thin" panose="020B0200000000000000" pitchFamily="34" charset="-122"/>
+              <a:ea typeface="PingFang SC Thin" panose="020B0200000000000000" pitchFamily="34" charset="-122"/>
+            </a:endParaRPr>
+          </a:p>
+          <a:p>
+            <a:pPr>
+              <a:lnSpc>
+                <a:spcPct val="150000"/>
+              </a:lnSpc>
+            </a:pPr>
+            <a:r>
+              <a:rPr lang="zh-CN" altLang="en-US" sz="1800" b="0" dirty="0">
+                <a:solidFill>
+                  <a:schemeClr val="tx1">
+                    <a:lumMod val="75000"/>
+                    <a:lumOff val="25000"/>
+                  </a:schemeClr>
+                </a:solidFill>
+                <a:latin typeface="PingFang SC Thin" panose="020B0200000000000000" pitchFamily="34" charset="-122"/>
+                <a:ea typeface="PingFang SC Thin" panose="020B0200000000000000" pitchFamily="34" charset="-122"/>
+              </a:rPr>
+              <a:t>自定义事件</a:t>
+            </a:r>
+            <a:endParaRPr lang="en-US" altLang="zh-CN" sz="1800" b="0" dirty="0">
+              <a:solidFill>
+                <a:schemeClr val="tx1">
+                  <a:lumMod val="75000"/>
+                  <a:lumOff val="25000"/>
+                </a:schemeClr>
+              </a:solidFill>
+              <a:latin typeface="PingFang SC Thin" panose="020B0200000000000000" pitchFamily="34" charset="-122"/>
+              <a:ea typeface="PingFang SC Thin" panose="020B0200000000000000" pitchFamily="34" charset="-122"/>
+            </a:endParaRPr>
+          </a:p>
+        </p:txBody>
+      </p:sp>
+    </p:spTree>
+    <p:extLst>
+      <p:ext uri="{BB962C8B-B14F-4D97-AF65-F5344CB8AC3E}">
+        <p14:creationId xmlns:p14="http://schemas.microsoft.com/office/powerpoint/2010/main" val="3990568372"/>
+      </p:ext>
+    </p:extLst>
+  </p:cSld>
+  <p:clrMapOvr>
+    <a:masterClrMapping/>
+  </p:clrMapOvr>
+</p:sld>
+</file>
+
+<file path=ppt/slides/slide5.xml><?xml version="1.0" encoding="utf-8"?>
+<p:sld xmlns:a="http://schemas.openxmlformats.org/drawingml/2006/main" xmlns:r="http://schemas.openxmlformats.org/officeDocument/2006/relationships" xmlns:p="http://schemas.openxmlformats.org/presentationml/2006/main">
+  <p:cSld>
+    <p:spTree>
+      <p:nvGrpSpPr>
+        <p:cNvPr id="1" name=""/>
+        <p:cNvGrpSpPr/>
+        <p:nvPr/>
+      </p:nvGrpSpPr>
+      <p:grpSpPr>
+        <a:xfrm>
+          <a:off x="0" y="0"/>
+          <a:ext cx="0" cy="0"/>
+          <a:chOff x="0" y="0"/>
+          <a:chExt cx="0" cy="0"/>
+        </a:xfrm>
+      </p:grpSpPr>
+      <p:sp>
+        <p:nvSpPr>
           <p:cNvPr id="3" name="文本框 2">
             <a:extLst>
               <a:ext uri="{FF2B5EF4-FFF2-40B4-BE49-F238E27FC236}">
@@ -2758,7 +3306,242 @@
     </p:spTree>
     <p:extLst>
       <p:ext uri="{BB962C8B-B14F-4D97-AF65-F5344CB8AC3E}">
-        <p14:creationId xmlns:p14="http://schemas.microsoft.com/office/powerpoint/2010/main" val="2191091071"/>
+        <p14:creationId xmlns:p14="http://schemas.microsoft.com/office/powerpoint/2010/main" val="4198468438"/>
+      </p:ext>
+    </p:extLst>
+  </p:cSld>
+  <p:clrMapOvr>
+    <a:masterClrMapping/>
+  </p:clrMapOvr>
+</p:sld>
+</file>
+
+<file path=ppt/slides/slide6.xml><?xml version="1.0" encoding="utf-8"?>
+<p:sld xmlns:a="http://schemas.openxmlformats.org/drawingml/2006/main" xmlns:r="http://schemas.openxmlformats.org/officeDocument/2006/relationships" xmlns:p="http://schemas.openxmlformats.org/presentationml/2006/main">
+  <p:cSld>
+    <p:spTree>
+      <p:nvGrpSpPr>
+        <p:cNvPr id="1" name=""/>
+        <p:cNvGrpSpPr/>
+        <p:nvPr/>
+      </p:nvGrpSpPr>
+      <p:grpSpPr>
+        <a:xfrm>
+          <a:off x="0" y="0"/>
+          <a:ext cx="0" cy="0"/>
+          <a:chOff x="0" y="0"/>
+          <a:chExt cx="0" cy="0"/>
+        </a:xfrm>
+      </p:grpSpPr>
+      <p:sp>
+        <p:nvSpPr>
+          <p:cNvPr id="47" name="文本框 46">
+            <a:extLst>
+              <a:ext uri="{FF2B5EF4-FFF2-40B4-BE49-F238E27FC236}">
+                <a16:creationId xmlns:a16="http://schemas.microsoft.com/office/drawing/2014/main" id="{E2EF3B4C-7775-4D07-AA7B-E56542739ED6}"/>
+              </a:ext>
+            </a:extLst>
+          </p:cNvPr>
+          <p:cNvSpPr txBox="1"/>
+          <p:nvPr/>
+        </p:nvSpPr>
+        <p:spPr>
+          <a:xfrm>
+            <a:off x="674238" y="630177"/>
+            <a:ext cx="1415772" cy="830997"/>
+          </a:xfrm>
+          <a:prstGeom prst="rect">
+            <a:avLst/>
+          </a:prstGeom>
+        </p:spPr>
+        <p:txBody>
+          <a:bodyPr wrap="none">
+            <a:spAutoFit/>
+          </a:bodyPr>
+          <a:lstStyle>
+            <a:defPPr>
+              <a:defRPr lang="zh-CN"/>
+            </a:defPPr>
+            <a:lvl1pPr>
+              <a:defRPr sz="4000" b="1">
+                <a:solidFill>
+                  <a:schemeClr val="bg2">
+                    <a:lumMod val="90000"/>
+                  </a:schemeClr>
+                </a:solidFill>
+                <a:latin typeface="Open Sans"/>
+              </a:defRPr>
+            </a:lvl1pPr>
+          </a:lstStyle>
+          <a:p>
+            <a:r>
+              <a:rPr lang="zh-CN" altLang="en-US" sz="4800" dirty="0">
+                <a:solidFill>
+                  <a:srgbClr val="00B0F0"/>
+                </a:solidFill>
+              </a:rPr>
+              <a:t>异步</a:t>
+            </a:r>
+          </a:p>
+        </p:txBody>
+      </p:sp>
+      <p:sp>
+        <p:nvSpPr>
+          <p:cNvPr id="36" name="文本框 35">
+            <a:extLst>
+              <a:ext uri="{FF2B5EF4-FFF2-40B4-BE49-F238E27FC236}">
+                <a16:creationId xmlns:a16="http://schemas.microsoft.com/office/drawing/2014/main" id="{E920AD70-E103-184B-8196-2C0EDFE053C9}"/>
+              </a:ext>
+            </a:extLst>
+          </p:cNvPr>
+          <p:cNvSpPr txBox="1"/>
+          <p:nvPr/>
+        </p:nvSpPr>
+        <p:spPr>
+          <a:xfrm>
+            <a:off x="1727591" y="2099890"/>
+            <a:ext cx="4623382" cy="3379708"/>
+          </a:xfrm>
+          <a:prstGeom prst="rect">
+            <a:avLst/>
+          </a:prstGeom>
+        </p:spPr>
+        <p:txBody>
+          <a:bodyPr wrap="none">
+            <a:spAutoFit/>
+          </a:bodyPr>
+          <a:lstStyle>
+            <a:defPPr>
+              <a:defRPr lang="zh-CN"/>
+            </a:defPPr>
+            <a:lvl1pPr>
+              <a:lnSpc>
+                <a:spcPct val="150000"/>
+              </a:lnSpc>
+              <a:defRPr b="0">
+                <a:solidFill>
+                  <a:schemeClr val="tx1">
+                    <a:lumMod val="75000"/>
+                    <a:lumOff val="25000"/>
+                  </a:schemeClr>
+                </a:solidFill>
+                <a:latin typeface="PingFang SC Thin" panose="020B0200000000000000" pitchFamily="34" charset="-122"/>
+                <a:ea typeface="PingFang SC Thin" panose="020B0200000000000000" pitchFamily="34" charset="-122"/>
+              </a:defRPr>
+            </a:lvl1pPr>
+          </a:lstStyle>
+          <a:p>
+            <a:r>
+              <a:rPr lang="zh-CN" altLang="en-US" dirty="0"/>
+              <a:t>回调</a:t>
+            </a:r>
+            <a:endParaRPr lang="en-US" altLang="zh-CN" dirty="0"/>
+          </a:p>
+          <a:p>
+            <a:r>
+              <a:rPr lang="en-US" altLang="zh-CN" dirty="0"/>
+              <a:t>ajax</a:t>
+            </a:r>
+            <a:r>
+              <a:rPr lang="zh-CN" altLang="en-US" dirty="0"/>
+              <a:t>、</a:t>
+            </a:r>
+            <a:r>
+              <a:rPr lang="en-US" altLang="zh-CN" dirty="0"/>
+              <a:t>fetch</a:t>
+            </a:r>
+            <a:r>
+              <a:rPr lang="zh-CN" altLang="en-US" dirty="0"/>
+              <a:t>、</a:t>
+            </a:r>
+            <a:r>
+              <a:rPr lang="en-US" altLang="zh-CN" dirty="0"/>
+              <a:t>axios</a:t>
+            </a:r>
+          </a:p>
+          <a:p>
+            <a:r>
+              <a:rPr lang="en-US" altLang="zh-CN" dirty="0"/>
+              <a:t>try-catch</a:t>
+            </a:r>
+          </a:p>
+          <a:p>
+            <a:r>
+              <a:rPr lang="zh-CN" altLang="en-US" dirty="0"/>
+              <a:t>生成器（</a:t>
+            </a:r>
+            <a:r>
+              <a:rPr lang="en-US" altLang="zh-CN" dirty="0"/>
+              <a:t>generator</a:t>
+            </a:r>
+            <a:r>
+              <a:rPr lang="zh-CN" altLang="en-US" dirty="0"/>
+              <a:t>）、迭代器（</a:t>
+            </a:r>
+            <a:r>
+              <a:rPr lang="en-US" altLang="zh-CN" dirty="0"/>
+              <a:t>iterator</a:t>
+            </a:r>
+            <a:r>
+              <a:rPr lang="zh-CN" altLang="en-US" dirty="0"/>
+              <a:t>）</a:t>
+            </a:r>
+            <a:endParaRPr lang="en-US" altLang="zh-CN" dirty="0"/>
+          </a:p>
+          <a:p>
+            <a:r>
+              <a:rPr lang="en-US" altLang="zh-CN" dirty="0"/>
+              <a:t>for-of</a:t>
+            </a:r>
+          </a:p>
+          <a:p>
+            <a:r>
+              <a:rPr lang="en-US" altLang="zh-CN" dirty="0"/>
+              <a:t>yield</a:t>
+            </a:r>
+            <a:r>
+              <a:rPr lang="zh-CN" altLang="en-US" dirty="0"/>
+              <a:t>、</a:t>
+            </a:r>
+            <a:r>
+              <a:rPr lang="en-US" altLang="zh-CN" dirty="0"/>
+              <a:t>yield</a:t>
+            </a:r>
+            <a:r>
+              <a:rPr lang="zh-CN" altLang="en-US" dirty="0"/>
+              <a:t>*、</a:t>
+            </a:r>
+            <a:r>
+              <a:rPr lang="en-US" altLang="zh-CN" dirty="0"/>
+              <a:t>next()</a:t>
+            </a:r>
+          </a:p>
+          <a:p>
+            <a:r>
+              <a:rPr lang="en-US" altLang="zh-CN" dirty="0"/>
+              <a:t>Promise</a:t>
+            </a:r>
+          </a:p>
+          <a:p>
+            <a:r>
+              <a:rPr lang="en-US" altLang="zh-CN" dirty="0"/>
+              <a:t>async</a:t>
+            </a:r>
+            <a:r>
+              <a:rPr lang="zh-CN" altLang="en-US" dirty="0"/>
+              <a:t>、</a:t>
+            </a:r>
+            <a:r>
+              <a:rPr lang="en-US" altLang="zh-CN" dirty="0"/>
+              <a:t>await</a:t>
+            </a:r>
+          </a:p>
+        </p:txBody>
+      </p:sp>
+    </p:spTree>
+    <p:extLst>
+      <p:ext uri="{BB962C8B-B14F-4D97-AF65-F5344CB8AC3E}">
+        <p14:creationId xmlns:p14="http://schemas.microsoft.com/office/powerpoint/2010/main" val="3442722936"/>
       </p:ext>
     </p:extLst>
   </p:cSld>

--- a/2 前端/《JavaScript忍者秘籍（第2版）》.pptx
+++ b/2 前端/《JavaScript忍者秘籍（第2版）》.pptx
@@ -5,7 +5,7 @@
     <p:sldMasterId id="2147483648" r:id="rId1"/>
   </p:sldMasterIdLst>
   <p:notesMasterIdLst>
-    <p:notesMasterId r:id="rId8"/>
+    <p:notesMasterId r:id="rId10"/>
   </p:notesMasterIdLst>
   <p:sldIdLst>
     <p:sldId id="704" r:id="rId2"/>
@@ -14,6 +14,8 @@
     <p:sldId id="707" r:id="rId5"/>
     <p:sldId id="705" r:id="rId6"/>
     <p:sldId id="706" r:id="rId7"/>
+    <p:sldId id="710" r:id="rId8"/>
+    <p:sldId id="711" r:id="rId9"/>
   </p:sldIdLst>
   <p:sldSz cx="12192000" cy="6858000"/>
   <p:notesSz cx="6858000" cy="9144000"/>
@@ -205,7 +207,7 @@
           <a:p>
             <a:fld id="{7F25A8C7-CC1A-4A08-9B4B-31F43B054C7F}" type="datetimeFigureOut">
               <a:rPr lang="zh-CN" altLang="en-US" smtClean="0"/>
-              <a:t>2021/4/15</a:t>
+              <a:t>2021/4/20</a:t>
             </a:fld>
             <a:endParaRPr lang="zh-CN" altLang="en-US"/>
           </a:p>
@@ -501,7 +503,7 @@
           <a:p>
             <a:fld id="{760FBDFE-C587-4B4C-A407-44438C67B59E}" type="datetimeFigureOut">
               <a:rPr lang="zh-CN" altLang="en-US" smtClean="0"/>
-              <a:t>2021/4/15</a:t>
+              <a:t>2021/4/20</a:t>
             </a:fld>
             <a:endParaRPr lang="zh-CN" altLang="en-US"/>
           </a:p>
@@ -722,7 +724,7 @@
           <a:p>
             <a:fld id="{D997B5FA-0921-464F-AAE1-844C04324D75}" type="datetimeFigureOut">
               <a:rPr lang="zh-CN" altLang="en-US" smtClean="0"/>
-              <a:t>2021/4/15</a:t>
+              <a:t>2021/4/20</a:t>
             </a:fld>
             <a:endParaRPr lang="zh-CN" altLang="en-US" dirty="0"/>
           </a:p>
@@ -1231,7 +1233,7 @@
         <p:spPr>
           <a:xfrm>
             <a:off x="1658977" y="2036946"/>
-            <a:ext cx="2069797" cy="471219"/>
+            <a:ext cx="1362874" cy="471219"/>
           </a:xfrm>
           <a:prstGeom prst="rect">
             <a:avLst/>
@@ -1264,7 +1266,7 @@
           <a:p>
             <a:r>
               <a:rPr lang="zh-CN" altLang="en-US" dirty="0"/>
-              <a:t>数组、对象、集合</a:t>
+              <a:t>对象、集合</a:t>
             </a:r>
           </a:p>
         </p:txBody>
@@ -3542,6 +3544,640 @@
     <p:extLst>
       <p:ext uri="{BB962C8B-B14F-4D97-AF65-F5344CB8AC3E}">
         <p14:creationId xmlns:p14="http://schemas.microsoft.com/office/powerpoint/2010/main" val="3442722936"/>
+      </p:ext>
+    </p:extLst>
+  </p:cSld>
+  <p:clrMapOvr>
+    <a:masterClrMapping/>
+  </p:clrMapOvr>
+</p:sld>
+</file>
+
+<file path=ppt/slides/slide7.xml><?xml version="1.0" encoding="utf-8"?>
+<p:sld xmlns:a="http://schemas.openxmlformats.org/drawingml/2006/main" xmlns:r="http://schemas.openxmlformats.org/officeDocument/2006/relationships" xmlns:p="http://schemas.openxmlformats.org/presentationml/2006/main">
+  <p:cSld>
+    <p:spTree>
+      <p:nvGrpSpPr>
+        <p:cNvPr id="1" name=""/>
+        <p:cNvGrpSpPr/>
+        <p:nvPr/>
+      </p:nvGrpSpPr>
+      <p:grpSpPr>
+        <a:xfrm>
+          <a:off x="0" y="0"/>
+          <a:ext cx="0" cy="0"/>
+          <a:chOff x="0" y="0"/>
+          <a:chExt cx="0" cy="0"/>
+        </a:xfrm>
+      </p:grpSpPr>
+      <p:sp>
+        <p:nvSpPr>
+          <p:cNvPr id="47" name="文本框 46">
+            <a:extLst>
+              <a:ext uri="{FF2B5EF4-FFF2-40B4-BE49-F238E27FC236}">
+                <a16:creationId xmlns:a16="http://schemas.microsoft.com/office/drawing/2014/main" id="{E2EF3B4C-7775-4D07-AA7B-E56542739ED6}"/>
+              </a:ext>
+            </a:extLst>
+          </p:cNvPr>
+          <p:cNvSpPr txBox="1"/>
+          <p:nvPr/>
+        </p:nvSpPr>
+        <p:spPr>
+          <a:xfrm>
+            <a:off x="674238" y="630177"/>
+            <a:ext cx="1415772" cy="830997"/>
+          </a:xfrm>
+          <a:prstGeom prst="rect">
+            <a:avLst/>
+          </a:prstGeom>
+        </p:spPr>
+        <p:txBody>
+          <a:bodyPr wrap="none">
+            <a:spAutoFit/>
+          </a:bodyPr>
+          <a:lstStyle>
+            <a:defPPr>
+              <a:defRPr lang="zh-CN"/>
+            </a:defPPr>
+            <a:lvl1pPr>
+              <a:defRPr sz="4000" b="1">
+                <a:solidFill>
+                  <a:schemeClr val="bg2">
+                    <a:lumMod val="90000"/>
+                  </a:schemeClr>
+                </a:solidFill>
+                <a:latin typeface="Open Sans"/>
+              </a:defRPr>
+            </a:lvl1pPr>
+          </a:lstStyle>
+          <a:p>
+            <a:r>
+              <a:rPr lang="zh-CN" altLang="en-US" sz="4800" dirty="0">
+                <a:solidFill>
+                  <a:srgbClr val="00B0F0"/>
+                </a:solidFill>
+              </a:rPr>
+              <a:t>集合</a:t>
+            </a:r>
+          </a:p>
+        </p:txBody>
+      </p:sp>
+      <p:sp>
+        <p:nvSpPr>
+          <p:cNvPr id="36" name="文本框 35">
+            <a:extLst>
+              <a:ext uri="{FF2B5EF4-FFF2-40B4-BE49-F238E27FC236}">
+                <a16:creationId xmlns:a16="http://schemas.microsoft.com/office/drawing/2014/main" id="{E920AD70-E103-184B-8196-2C0EDFE053C9}"/>
+              </a:ext>
+            </a:extLst>
+          </p:cNvPr>
+          <p:cNvSpPr txBox="1"/>
+          <p:nvPr/>
+        </p:nvSpPr>
+        <p:spPr>
+          <a:xfrm>
+            <a:off x="1727591" y="2099890"/>
+            <a:ext cx="747320" cy="1302216"/>
+          </a:xfrm>
+          <a:prstGeom prst="rect">
+            <a:avLst/>
+          </a:prstGeom>
+        </p:spPr>
+        <p:txBody>
+          <a:bodyPr wrap="none">
+            <a:spAutoFit/>
+          </a:bodyPr>
+          <a:lstStyle>
+            <a:defPPr>
+              <a:defRPr lang="zh-CN"/>
+            </a:defPPr>
+            <a:lvl1pPr>
+              <a:lnSpc>
+                <a:spcPct val="150000"/>
+              </a:lnSpc>
+              <a:defRPr b="0">
+                <a:solidFill>
+                  <a:schemeClr val="tx1">
+                    <a:lumMod val="75000"/>
+                    <a:lumOff val="25000"/>
+                  </a:schemeClr>
+                </a:solidFill>
+                <a:latin typeface="PingFang SC Thin" panose="020B0200000000000000" pitchFamily="34" charset="-122"/>
+                <a:ea typeface="PingFang SC Thin" panose="020B0200000000000000" pitchFamily="34" charset="-122"/>
+              </a:defRPr>
+            </a:lvl1pPr>
+          </a:lstStyle>
+          <a:p>
+            <a:r>
+              <a:rPr lang="en-US" altLang="zh-CN" dirty="0"/>
+              <a:t>Array</a:t>
+            </a:r>
+          </a:p>
+          <a:p>
+            <a:r>
+              <a:rPr lang="en-US" altLang="zh-CN" dirty="0"/>
+              <a:t>Set</a:t>
+            </a:r>
+          </a:p>
+          <a:p>
+            <a:r>
+              <a:rPr lang="en-US" altLang="zh-CN" dirty="0"/>
+              <a:t>Map</a:t>
+            </a:r>
+          </a:p>
+        </p:txBody>
+      </p:sp>
+    </p:spTree>
+    <p:extLst>
+      <p:ext uri="{BB962C8B-B14F-4D97-AF65-F5344CB8AC3E}">
+        <p14:creationId xmlns:p14="http://schemas.microsoft.com/office/powerpoint/2010/main" val="681298879"/>
+      </p:ext>
+    </p:extLst>
+  </p:cSld>
+  <p:clrMapOvr>
+    <a:masterClrMapping/>
+  </p:clrMapOvr>
+</p:sld>
+</file>
+
+<file path=ppt/slides/slide8.xml><?xml version="1.0" encoding="utf-8"?>
+<p:sld xmlns:a="http://schemas.openxmlformats.org/drawingml/2006/main" xmlns:r="http://schemas.openxmlformats.org/officeDocument/2006/relationships" xmlns:p="http://schemas.openxmlformats.org/presentationml/2006/main">
+  <p:cSld>
+    <p:spTree>
+      <p:nvGrpSpPr>
+        <p:cNvPr id="1" name=""/>
+        <p:cNvGrpSpPr/>
+        <p:nvPr/>
+      </p:nvGrpSpPr>
+      <p:grpSpPr>
+        <a:xfrm>
+          <a:off x="0" y="0"/>
+          <a:ext cx="0" cy="0"/>
+          <a:chOff x="0" y="0"/>
+          <a:chExt cx="0" cy="0"/>
+        </a:xfrm>
+      </p:grpSpPr>
+      <p:sp>
+        <p:nvSpPr>
+          <p:cNvPr id="47" name="文本框 46">
+            <a:extLst>
+              <a:ext uri="{FF2B5EF4-FFF2-40B4-BE49-F238E27FC236}">
+                <a16:creationId xmlns:a16="http://schemas.microsoft.com/office/drawing/2014/main" id="{E2EF3B4C-7775-4D07-AA7B-E56542739ED6}"/>
+              </a:ext>
+            </a:extLst>
+          </p:cNvPr>
+          <p:cNvSpPr txBox="1"/>
+          <p:nvPr/>
+        </p:nvSpPr>
+        <p:spPr>
+          <a:xfrm>
+            <a:off x="674238" y="630177"/>
+            <a:ext cx="3262432" cy="830997"/>
+          </a:xfrm>
+          <a:prstGeom prst="rect">
+            <a:avLst/>
+          </a:prstGeom>
+        </p:spPr>
+        <p:txBody>
+          <a:bodyPr wrap="none">
+            <a:spAutoFit/>
+          </a:bodyPr>
+          <a:lstStyle>
+            <a:defPPr>
+              <a:defRPr lang="zh-CN"/>
+            </a:defPPr>
+            <a:lvl1pPr>
+              <a:defRPr sz="4000" b="1">
+                <a:solidFill>
+                  <a:schemeClr val="bg2">
+                    <a:lumMod val="90000"/>
+                  </a:schemeClr>
+                </a:solidFill>
+                <a:latin typeface="Open Sans"/>
+              </a:defRPr>
+            </a:lvl1pPr>
+          </a:lstStyle>
+          <a:p>
+            <a:r>
+              <a:rPr lang="zh-CN" altLang="en-US" sz="4800" dirty="0">
+                <a:solidFill>
+                  <a:srgbClr val="00B0F0"/>
+                </a:solidFill>
+              </a:rPr>
+              <a:t>正则表达式</a:t>
+            </a:r>
+          </a:p>
+        </p:txBody>
+      </p:sp>
+      <p:sp>
+        <p:nvSpPr>
+          <p:cNvPr id="36" name="文本框 35">
+            <a:extLst>
+              <a:ext uri="{FF2B5EF4-FFF2-40B4-BE49-F238E27FC236}">
+                <a16:creationId xmlns:a16="http://schemas.microsoft.com/office/drawing/2014/main" id="{E920AD70-E103-184B-8196-2C0EDFE053C9}"/>
+              </a:ext>
+            </a:extLst>
+          </p:cNvPr>
+          <p:cNvSpPr txBox="1"/>
+          <p:nvPr/>
+        </p:nvSpPr>
+        <p:spPr>
+          <a:xfrm>
+            <a:off x="1856545" y="2647789"/>
+            <a:ext cx="1598515" cy="886718"/>
+          </a:xfrm>
+          <a:prstGeom prst="rect">
+            <a:avLst/>
+          </a:prstGeom>
+        </p:spPr>
+        <p:txBody>
+          <a:bodyPr wrap="none">
+            <a:spAutoFit/>
+          </a:bodyPr>
+          <a:lstStyle>
+            <a:defPPr>
+              <a:defRPr lang="zh-CN"/>
+            </a:defPPr>
+            <a:lvl1pPr>
+              <a:lnSpc>
+                <a:spcPct val="150000"/>
+              </a:lnSpc>
+              <a:defRPr b="0">
+                <a:solidFill>
+                  <a:schemeClr val="tx1">
+                    <a:lumMod val="75000"/>
+                    <a:lumOff val="25000"/>
+                  </a:schemeClr>
+                </a:solidFill>
+                <a:latin typeface="PingFang SC Thin" panose="020B0200000000000000" pitchFamily="34" charset="-122"/>
+                <a:ea typeface="PingFang SC Thin" panose="020B0200000000000000" pitchFamily="34" charset="-122"/>
+              </a:defRPr>
+            </a:lvl1pPr>
+          </a:lstStyle>
+          <a:p>
+            <a:r>
+              <a:rPr lang="zh-CN" altLang="en-US" dirty="0"/>
+              <a:t>字符串处理。</a:t>
+            </a:r>
+            <a:endParaRPr lang="en-US" altLang="zh-CN" dirty="0"/>
+          </a:p>
+          <a:p>
+            <a:r>
+              <a:rPr lang="zh-CN" altLang="en-US" dirty="0"/>
+              <a:t>简洁、优雅。</a:t>
+            </a:r>
+            <a:endParaRPr lang="en-US" altLang="zh-CN" dirty="0"/>
+          </a:p>
+        </p:txBody>
+      </p:sp>
+      <p:sp>
+        <p:nvSpPr>
+          <p:cNvPr id="4" name="文本框 3">
+            <a:extLst>
+              <a:ext uri="{FF2B5EF4-FFF2-40B4-BE49-F238E27FC236}">
+                <a16:creationId xmlns:a16="http://schemas.microsoft.com/office/drawing/2014/main" id="{C2DD6716-A665-9143-A32B-2016A8E88CA9}"/>
+              </a:ext>
+            </a:extLst>
+          </p:cNvPr>
+          <p:cNvSpPr txBox="1"/>
+          <p:nvPr/>
+        </p:nvSpPr>
+        <p:spPr>
+          <a:xfrm>
+            <a:off x="5203481" y="2647789"/>
+            <a:ext cx="1842171" cy="1717714"/>
+          </a:xfrm>
+          <a:prstGeom prst="rect">
+            <a:avLst/>
+          </a:prstGeom>
+        </p:spPr>
+        <p:txBody>
+          <a:bodyPr wrap="none">
+            <a:spAutoFit/>
+          </a:bodyPr>
+          <a:lstStyle>
+            <a:defPPr>
+              <a:defRPr lang="zh-CN"/>
+            </a:defPPr>
+            <a:lvl1pPr>
+              <a:lnSpc>
+                <a:spcPct val="150000"/>
+              </a:lnSpc>
+              <a:defRPr b="0">
+                <a:solidFill>
+                  <a:schemeClr val="tx1">
+                    <a:lumMod val="75000"/>
+                    <a:lumOff val="25000"/>
+                  </a:schemeClr>
+                </a:solidFill>
+                <a:latin typeface="PingFang SC Thin" panose="020B0200000000000000" pitchFamily="34" charset="-122"/>
+                <a:ea typeface="PingFang SC Thin" panose="020B0200000000000000" pitchFamily="34" charset="-122"/>
+              </a:defRPr>
+            </a:lvl1pPr>
+          </a:lstStyle>
+          <a:p>
+            <a:r>
+              <a:rPr lang="zh-CN" altLang="en-US" dirty="0"/>
+              <a:t>术语和操作符</a:t>
+            </a:r>
+            <a:endParaRPr lang="en-US" altLang="zh-CN" dirty="0"/>
+          </a:p>
+          <a:p>
+            <a:r>
+              <a:rPr lang="zh-CN" altLang="en-US" dirty="0"/>
+              <a:t>修饰符</a:t>
+            </a:r>
+            <a:endParaRPr lang="en-US" altLang="zh-CN" dirty="0"/>
+          </a:p>
+          <a:p>
+            <a:r>
+              <a:rPr lang="zh-CN" altLang="en-US" dirty="0"/>
+              <a:t>捕获</a:t>
+            </a:r>
+            <a:endParaRPr lang="en-US" altLang="zh-CN" dirty="0"/>
+          </a:p>
+          <a:p>
+            <a:r>
+              <a:rPr lang="en-US" altLang="zh-CN" dirty="0" err="1"/>
+              <a:t>String.replace</a:t>
+            </a:r>
+            <a:r>
+              <a:rPr lang="en-US" altLang="zh-CN" dirty="0"/>
+              <a:t>()</a:t>
+            </a:r>
+          </a:p>
+        </p:txBody>
+      </p:sp>
+      <p:sp>
+        <p:nvSpPr>
+          <p:cNvPr id="5" name="文本框 4">
+            <a:extLst>
+              <a:ext uri="{FF2B5EF4-FFF2-40B4-BE49-F238E27FC236}">
+                <a16:creationId xmlns:a16="http://schemas.microsoft.com/office/drawing/2014/main" id="{A3CB1841-5E81-F548-A575-7EC52C1C2806}"/>
+              </a:ext>
+            </a:extLst>
+          </p:cNvPr>
+          <p:cNvSpPr txBox="1"/>
+          <p:nvPr/>
+        </p:nvSpPr>
+        <p:spPr>
+          <a:xfrm>
+            <a:off x="8585586" y="2647789"/>
+            <a:ext cx="891591" cy="1302216"/>
+          </a:xfrm>
+          <a:prstGeom prst="rect">
+            <a:avLst/>
+          </a:prstGeom>
+        </p:spPr>
+        <p:txBody>
+          <a:bodyPr wrap="none">
+            <a:spAutoFit/>
+          </a:bodyPr>
+          <a:lstStyle>
+            <a:defPPr>
+              <a:defRPr lang="zh-CN"/>
+            </a:defPPr>
+            <a:lvl1pPr>
+              <a:lnSpc>
+                <a:spcPct val="150000"/>
+              </a:lnSpc>
+              <a:defRPr b="0">
+                <a:solidFill>
+                  <a:schemeClr val="tx1">
+                    <a:lumMod val="75000"/>
+                    <a:lumOff val="25000"/>
+                  </a:schemeClr>
+                </a:solidFill>
+                <a:latin typeface="PingFang SC Thin" panose="020B0200000000000000" pitchFamily="34" charset="-122"/>
+                <a:ea typeface="PingFang SC Thin" panose="020B0200000000000000" pitchFamily="34" charset="-122"/>
+              </a:defRPr>
+            </a:lvl1pPr>
+          </a:lstStyle>
+          <a:p>
+            <a:r>
+              <a:rPr lang="zh-CN" altLang="en-US" dirty="0"/>
+              <a:t>示例</a:t>
+            </a:r>
+            <a:endParaRPr lang="en-US" altLang="zh-CN" dirty="0"/>
+          </a:p>
+          <a:p>
+            <a:r>
+              <a:rPr lang="zh-CN" altLang="en-US" dirty="0"/>
+              <a:t>面试题</a:t>
+            </a:r>
+            <a:endParaRPr lang="en-US" altLang="zh-CN" dirty="0"/>
+          </a:p>
+          <a:p>
+            <a:r>
+              <a:rPr lang="zh-CN" altLang="en-US" dirty="0"/>
+              <a:t>运用</a:t>
+            </a:r>
+            <a:endParaRPr lang="en-US" altLang="zh-CN" dirty="0"/>
+          </a:p>
+        </p:txBody>
+      </p:sp>
+      <p:sp>
+        <p:nvSpPr>
+          <p:cNvPr id="6" name="文本框 5">
+            <a:extLst>
+              <a:ext uri="{FF2B5EF4-FFF2-40B4-BE49-F238E27FC236}">
+                <a16:creationId xmlns:a16="http://schemas.microsoft.com/office/drawing/2014/main" id="{FE708CFF-F2A9-C245-830D-41DF084CADA7}"/>
+              </a:ext>
+            </a:extLst>
+          </p:cNvPr>
+          <p:cNvSpPr txBox="1"/>
+          <p:nvPr/>
+        </p:nvSpPr>
+        <p:spPr>
+          <a:xfrm>
+            <a:off x="1856545" y="2106232"/>
+            <a:ext cx="1598515" cy="471219"/>
+          </a:xfrm>
+          <a:prstGeom prst="rect">
+            <a:avLst/>
+          </a:prstGeom>
+        </p:spPr>
+        <p:txBody>
+          <a:bodyPr wrap="none">
+            <a:spAutoFit/>
+          </a:bodyPr>
+          <a:lstStyle>
+            <a:defPPr>
+              <a:defRPr lang="zh-CN"/>
+            </a:defPPr>
+            <a:lvl1pPr>
+              <a:lnSpc>
+                <a:spcPct val="150000"/>
+              </a:lnSpc>
+              <a:defRPr b="0">
+                <a:solidFill>
+                  <a:schemeClr val="tx1">
+                    <a:lumMod val="75000"/>
+                    <a:lumOff val="25000"/>
+                  </a:schemeClr>
+                </a:solidFill>
+                <a:latin typeface="PingFang SC Thin" panose="020B0200000000000000" pitchFamily="34" charset="-122"/>
+                <a:ea typeface="PingFang SC Thin" panose="020B0200000000000000" pitchFamily="34" charset="-122"/>
+              </a:defRPr>
+            </a:lvl1pPr>
+          </a:lstStyle>
+          <a:p>
+            <a:r>
+              <a:rPr lang="zh-CN" altLang="en-US" b="1" dirty="0">
+                <a:solidFill>
+                  <a:srgbClr val="E43500"/>
+                </a:solidFill>
+                <a:latin typeface="Microsoft YaHei" panose="020B0503020204020204" pitchFamily="34" charset="-122"/>
+                <a:ea typeface="Microsoft YaHei" panose="020B0503020204020204" pitchFamily="34" charset="-122"/>
+              </a:rPr>
+              <a:t>为什么需要？</a:t>
+            </a:r>
+            <a:endParaRPr lang="en-US" altLang="zh-CN" b="1" dirty="0">
+              <a:solidFill>
+                <a:srgbClr val="E43500"/>
+              </a:solidFill>
+              <a:latin typeface="Microsoft YaHei" panose="020B0503020204020204" pitchFamily="34" charset="-122"/>
+              <a:ea typeface="Microsoft YaHei" panose="020B0503020204020204" pitchFamily="34" charset="-122"/>
+            </a:endParaRPr>
+          </a:p>
+        </p:txBody>
+      </p:sp>
+      <p:sp>
+        <p:nvSpPr>
+          <p:cNvPr id="7" name="文本框 6">
+            <a:extLst>
+              <a:ext uri="{FF2B5EF4-FFF2-40B4-BE49-F238E27FC236}">
+                <a16:creationId xmlns:a16="http://schemas.microsoft.com/office/drawing/2014/main" id="{04CC5995-7842-9D4A-BBD0-5B8DD9AF41D9}"/>
+              </a:ext>
+            </a:extLst>
+          </p:cNvPr>
+          <p:cNvSpPr txBox="1"/>
+          <p:nvPr/>
+        </p:nvSpPr>
+        <p:spPr>
+          <a:xfrm>
+            <a:off x="5245881" y="2106232"/>
+            <a:ext cx="1127232" cy="471219"/>
+          </a:xfrm>
+          <a:prstGeom prst="rect">
+            <a:avLst/>
+          </a:prstGeom>
+        </p:spPr>
+        <p:txBody>
+          <a:bodyPr wrap="none">
+            <a:spAutoFit/>
+          </a:bodyPr>
+          <a:lstStyle>
+            <a:defPPr>
+              <a:defRPr lang="zh-CN"/>
+            </a:defPPr>
+            <a:lvl1pPr>
+              <a:lnSpc>
+                <a:spcPct val="150000"/>
+              </a:lnSpc>
+              <a:defRPr b="0">
+                <a:solidFill>
+                  <a:schemeClr val="tx1">
+                    <a:lumMod val="75000"/>
+                    <a:lumOff val="25000"/>
+                  </a:schemeClr>
+                </a:solidFill>
+                <a:latin typeface="PingFang SC Thin" panose="020B0200000000000000" pitchFamily="34" charset="-122"/>
+                <a:ea typeface="PingFang SC Thin" panose="020B0200000000000000" pitchFamily="34" charset="-122"/>
+              </a:defRPr>
+            </a:lvl1pPr>
+          </a:lstStyle>
+          <a:p>
+            <a:r>
+              <a:rPr lang="zh-CN" altLang="en-US" b="1" dirty="0">
+                <a:solidFill>
+                  <a:srgbClr val="E43500"/>
+                </a:solidFill>
+                <a:latin typeface="Microsoft YaHei" panose="020B0503020204020204" pitchFamily="34" charset="-122"/>
+                <a:ea typeface="Microsoft YaHei" panose="020B0503020204020204" pitchFamily="34" charset="-122"/>
+              </a:rPr>
+              <a:t>如何做？</a:t>
+            </a:r>
+            <a:endParaRPr lang="en-US" altLang="zh-CN" b="1" dirty="0">
+              <a:solidFill>
+                <a:srgbClr val="E43500"/>
+              </a:solidFill>
+              <a:latin typeface="Microsoft YaHei" panose="020B0503020204020204" pitchFamily="34" charset="-122"/>
+              <a:ea typeface="Microsoft YaHei" panose="020B0503020204020204" pitchFamily="34" charset="-122"/>
+            </a:endParaRPr>
+          </a:p>
+        </p:txBody>
+      </p:sp>
+      <p:sp>
+        <p:nvSpPr>
+          <p:cNvPr id="8" name="文本框 7">
+            <a:extLst>
+              <a:ext uri="{FF2B5EF4-FFF2-40B4-BE49-F238E27FC236}">
+                <a16:creationId xmlns:a16="http://schemas.microsoft.com/office/drawing/2014/main" id="{7A463B78-1E8A-6941-8895-CC608CD78E1A}"/>
+              </a:ext>
+            </a:extLst>
+          </p:cNvPr>
+          <p:cNvSpPr txBox="1"/>
+          <p:nvPr/>
+        </p:nvSpPr>
+        <p:spPr>
+          <a:xfrm>
+            <a:off x="8467765" y="2106232"/>
+            <a:ext cx="1362874" cy="471219"/>
+          </a:xfrm>
+          <a:prstGeom prst="rect">
+            <a:avLst/>
+          </a:prstGeom>
+        </p:spPr>
+        <p:txBody>
+          <a:bodyPr wrap="none">
+            <a:spAutoFit/>
+          </a:bodyPr>
+          <a:lstStyle>
+            <a:defPPr>
+              <a:defRPr lang="zh-CN"/>
+            </a:defPPr>
+            <a:lvl1pPr>
+              <a:lnSpc>
+                <a:spcPct val="150000"/>
+              </a:lnSpc>
+              <a:defRPr b="0">
+                <a:solidFill>
+                  <a:schemeClr val="tx1">
+                    <a:lumMod val="75000"/>
+                    <a:lumOff val="25000"/>
+                  </a:schemeClr>
+                </a:solidFill>
+                <a:latin typeface="PingFang SC Thin" panose="020B0200000000000000" pitchFamily="34" charset="-122"/>
+                <a:ea typeface="PingFang SC Thin" panose="020B0200000000000000" pitchFamily="34" charset="-122"/>
+              </a:defRPr>
+            </a:lvl1pPr>
+          </a:lstStyle>
+          <a:p>
+            <a:r>
+              <a:rPr lang="zh-CN" altLang="en-US" b="1" dirty="0">
+                <a:solidFill>
+                  <a:srgbClr val="E43500"/>
+                </a:solidFill>
+                <a:latin typeface="Microsoft YaHei" panose="020B0503020204020204" pitchFamily="34" charset="-122"/>
+                <a:ea typeface="Microsoft YaHei" panose="020B0503020204020204" pitchFamily="34" charset="-122"/>
+              </a:rPr>
+              <a:t>效果怎样？</a:t>
+            </a:r>
+            <a:endParaRPr lang="en-US" altLang="zh-CN" b="1" dirty="0">
+              <a:solidFill>
+                <a:srgbClr val="E43500"/>
+              </a:solidFill>
+              <a:latin typeface="Microsoft YaHei" panose="020B0503020204020204" pitchFamily="34" charset="-122"/>
+              <a:ea typeface="Microsoft YaHei" panose="020B0503020204020204" pitchFamily="34" charset="-122"/>
+            </a:endParaRPr>
+          </a:p>
+        </p:txBody>
+      </p:sp>
+    </p:spTree>
+    <p:extLst>
+      <p:ext uri="{BB962C8B-B14F-4D97-AF65-F5344CB8AC3E}">
+        <p14:creationId xmlns:p14="http://schemas.microsoft.com/office/powerpoint/2010/main" val="2674585974"/>
       </p:ext>
     </p:extLst>
   </p:cSld>

--- a/2 前端/《JavaScript忍者秘籍（第2版）》.pptx
+++ b/2 前端/《JavaScript忍者秘籍（第2版）》.pptx
@@ -3401,15 +3401,15 @@
         </p:nvSpPr>
         <p:spPr>
           <a:xfrm>
-            <a:off x="1727591" y="2099890"/>
-            <a:ext cx="4623382" cy="3379708"/>
-          </a:xfrm>
-          <a:prstGeom prst="rect">
-            <a:avLst/>
-          </a:prstGeom>
-        </p:spPr>
-        <p:txBody>
-          <a:bodyPr wrap="none">
+            <a:off x="715560" y="2807869"/>
+            <a:ext cx="2748900" cy="1906484"/>
+          </a:xfrm>
+          <a:prstGeom prst="rect">
+            <a:avLst/>
+          </a:prstGeom>
+        </p:spPr>
+        <p:txBody>
+          <a:bodyPr wrap="square">
             <a:spAutoFit/>
           </a:bodyPr>
           <a:lstStyle>
@@ -3434,109 +3434,393 @@
           </a:lstStyle>
           <a:p>
             <a:r>
-              <a:rPr lang="zh-CN" altLang="en-US" dirty="0"/>
+              <a:rPr lang="zh-CN" altLang="en-US" sz="1600" dirty="0"/>
               <a:t>回调</a:t>
             </a:r>
-            <a:endParaRPr lang="en-US" altLang="zh-CN" dirty="0"/>
-          </a:p>
-          <a:p>
-            <a:r>
-              <a:rPr lang="en-US" altLang="zh-CN" dirty="0"/>
+            <a:endParaRPr lang="en-US" altLang="zh-CN" sz="1600" dirty="0"/>
+          </a:p>
+          <a:p>
+            <a:r>
+              <a:rPr lang="en-US" altLang="zh-CN" sz="1600" dirty="0"/>
               <a:t>ajax</a:t>
             </a:r>
             <a:r>
-              <a:rPr lang="zh-CN" altLang="en-US" dirty="0"/>
+              <a:rPr lang="zh-CN" altLang="en-US" sz="1600" dirty="0"/>
               <a:t>、</a:t>
             </a:r>
             <a:r>
-              <a:rPr lang="en-US" altLang="zh-CN" dirty="0"/>
+              <a:rPr lang="en-US" altLang="zh-CN" sz="1600" dirty="0"/>
               <a:t>fetch</a:t>
             </a:r>
             <a:r>
-              <a:rPr lang="zh-CN" altLang="en-US" dirty="0"/>
+              <a:rPr lang="zh-CN" altLang="en-US" sz="1600" dirty="0"/>
               <a:t>、</a:t>
             </a:r>
             <a:r>
-              <a:rPr lang="en-US" altLang="zh-CN" dirty="0"/>
+              <a:rPr lang="en-US" altLang="zh-CN" sz="1600" dirty="0"/>
               <a:t>axios</a:t>
             </a:r>
           </a:p>
           <a:p>
             <a:r>
-              <a:rPr lang="en-US" altLang="zh-CN" dirty="0"/>
+              <a:rPr lang="en-US" altLang="zh-CN" sz="1600" dirty="0"/>
               <a:t>try-catch</a:t>
             </a:r>
           </a:p>
           <a:p>
             <a:r>
-              <a:rPr lang="zh-CN" altLang="en-US" dirty="0"/>
+              <a:rPr lang="en-US" altLang="zh-CN" sz="1600" dirty="0"/>
+              <a:t>Promise</a:t>
+            </a:r>
+          </a:p>
+          <a:p>
+            <a:r>
+              <a:rPr lang="en-US" altLang="zh-CN" sz="1600" dirty="0"/>
+              <a:t>async</a:t>
+            </a:r>
+            <a:r>
+              <a:rPr lang="zh-CN" altLang="en-US" sz="1600" dirty="0"/>
+              <a:t>、</a:t>
+            </a:r>
+            <a:r>
+              <a:rPr lang="en-US" altLang="zh-CN" sz="1600" dirty="0"/>
+              <a:t>await</a:t>
+            </a:r>
+          </a:p>
+        </p:txBody>
+      </p:sp>
+      <p:sp>
+        <p:nvSpPr>
+          <p:cNvPr id="4" name="文本框 3">
+            <a:extLst>
+              <a:ext uri="{FF2B5EF4-FFF2-40B4-BE49-F238E27FC236}">
+                <a16:creationId xmlns:a16="http://schemas.microsoft.com/office/drawing/2014/main" id="{EF3E9254-2745-094D-AE46-2519CEAAD298}"/>
+              </a:ext>
+            </a:extLst>
+          </p:cNvPr>
+          <p:cNvSpPr txBox="1"/>
+          <p:nvPr/>
+        </p:nvSpPr>
+        <p:spPr>
+          <a:xfrm>
+            <a:off x="5519466" y="3874476"/>
+            <a:ext cx="4876800" cy="1167820"/>
+          </a:xfrm>
+          <a:prstGeom prst="rect">
+            <a:avLst/>
+          </a:prstGeom>
+        </p:spPr>
+        <p:txBody>
+          <a:bodyPr wrap="square">
+            <a:spAutoFit/>
+          </a:bodyPr>
+          <a:lstStyle>
+            <a:defPPr>
+              <a:defRPr lang="zh-CN"/>
+            </a:defPPr>
+            <a:lvl1pPr>
+              <a:lnSpc>
+                <a:spcPct val="150000"/>
+              </a:lnSpc>
+              <a:defRPr b="0">
+                <a:solidFill>
+                  <a:schemeClr val="tx1">
+                    <a:lumMod val="75000"/>
+                    <a:lumOff val="25000"/>
+                  </a:schemeClr>
+                </a:solidFill>
+                <a:latin typeface="PingFang SC Thin" panose="020B0200000000000000" pitchFamily="34" charset="-122"/>
+                <a:ea typeface="PingFang SC Thin" panose="020B0200000000000000" pitchFamily="34" charset="-122"/>
+              </a:defRPr>
+            </a:lvl1pPr>
+          </a:lstStyle>
+          <a:p>
+            <a:r>
+              <a:rPr lang="zh-CN" altLang="en-US" sz="1600" dirty="0"/>
               <a:t>生成器（</a:t>
             </a:r>
             <a:r>
-              <a:rPr lang="en-US" altLang="zh-CN" dirty="0"/>
+              <a:rPr lang="en-US" altLang="zh-CN" sz="1600" dirty="0"/>
               <a:t>generator</a:t>
             </a:r>
             <a:r>
-              <a:rPr lang="zh-CN" altLang="en-US" dirty="0"/>
+              <a:rPr lang="zh-CN" altLang="en-US" sz="1600" dirty="0"/>
               <a:t>）、迭代器（</a:t>
             </a:r>
             <a:r>
-              <a:rPr lang="en-US" altLang="zh-CN" dirty="0"/>
+              <a:rPr lang="en-US" altLang="zh-CN" sz="1600" dirty="0"/>
               <a:t>iterator</a:t>
             </a:r>
             <a:r>
-              <a:rPr lang="zh-CN" altLang="en-US" dirty="0"/>
+              <a:rPr lang="zh-CN" altLang="en-US" sz="1600" dirty="0"/>
               <a:t>）</a:t>
             </a:r>
-            <a:endParaRPr lang="en-US" altLang="zh-CN" dirty="0"/>
-          </a:p>
-          <a:p>
-            <a:r>
-              <a:rPr lang="en-US" altLang="zh-CN" dirty="0"/>
+            <a:endParaRPr lang="en-US" altLang="zh-CN" sz="1600" dirty="0"/>
+          </a:p>
+          <a:p>
+            <a:r>
+              <a:rPr lang="en-US" altLang="zh-CN" sz="1600" dirty="0"/>
               <a:t>for-of</a:t>
             </a:r>
           </a:p>
           <a:p>
             <a:r>
-              <a:rPr lang="en-US" altLang="zh-CN" dirty="0"/>
+              <a:rPr lang="en-US" altLang="zh-CN" sz="1600" dirty="0"/>
               <a:t>yield</a:t>
             </a:r>
             <a:r>
-              <a:rPr lang="zh-CN" altLang="en-US" dirty="0"/>
+              <a:rPr lang="zh-CN" altLang="en-US" sz="1600" dirty="0"/>
               <a:t>、</a:t>
             </a:r>
             <a:r>
-              <a:rPr lang="en-US" altLang="zh-CN" dirty="0"/>
+              <a:rPr lang="en-US" altLang="zh-CN" sz="1600" dirty="0"/>
               <a:t>yield</a:t>
             </a:r>
             <a:r>
-              <a:rPr lang="zh-CN" altLang="en-US" dirty="0"/>
+              <a:rPr lang="zh-CN" altLang="en-US" sz="1600" dirty="0"/>
               <a:t>*、</a:t>
             </a:r>
             <a:r>
-              <a:rPr lang="en-US" altLang="zh-CN" dirty="0"/>
+              <a:rPr lang="en-US" altLang="zh-CN" sz="1600" dirty="0"/>
               <a:t>next()</a:t>
             </a:r>
           </a:p>
-          <a:p>
-            <a:r>
-              <a:rPr lang="en-US" altLang="zh-CN" dirty="0"/>
-              <a:t>Promise</a:t>
-            </a:r>
-          </a:p>
-          <a:p>
-            <a:r>
-              <a:rPr lang="en-US" altLang="zh-CN" dirty="0"/>
-              <a:t>async</a:t>
-            </a:r>
-            <a:r>
-              <a:rPr lang="zh-CN" altLang="en-US" dirty="0"/>
-              <a:t>、</a:t>
-            </a:r>
-            <a:r>
-              <a:rPr lang="en-US" altLang="zh-CN" dirty="0"/>
-              <a:t>await</a:t>
-            </a:r>
+        </p:txBody>
+      </p:sp>
+      <p:sp>
+        <p:nvSpPr>
+          <p:cNvPr id="2" name="矩形 1">
+            <a:extLst>
+              <a:ext uri="{FF2B5EF4-FFF2-40B4-BE49-F238E27FC236}">
+                <a16:creationId xmlns:a16="http://schemas.microsoft.com/office/drawing/2014/main" id="{ACFE84BA-B0FB-B14F-8BE5-D9627017DC94}"/>
+              </a:ext>
+            </a:extLst>
+          </p:cNvPr>
+          <p:cNvSpPr/>
+          <p:nvPr/>
+        </p:nvSpPr>
+        <p:spPr>
+          <a:xfrm>
+            <a:off x="5519466" y="615585"/>
+            <a:ext cx="5298831" cy="2677656"/>
+          </a:xfrm>
+          <a:prstGeom prst="rect">
+            <a:avLst/>
+          </a:prstGeom>
+          <a:solidFill>
+            <a:schemeClr val="bg1">
+              <a:lumMod val="95000"/>
+            </a:schemeClr>
+          </a:solidFill>
+        </p:spPr>
+        <p:txBody>
+          <a:bodyPr wrap="square">
+            <a:spAutoFit/>
+          </a:bodyPr>
+          <a:lstStyle/>
+          <a:p>
+            <a:r>
+              <a:rPr lang="zh-CN" altLang="en-US" sz="1400" dirty="0">
+                <a:latin typeface="Courier New" panose="02070309020205020404" pitchFamily="49" charset="0"/>
+                <a:ea typeface="PingFang SC Thin" panose="020B0200000000000000" pitchFamily="34" charset="-122"/>
+                <a:cs typeface="Courier New" panose="02070309020205020404" pitchFamily="49" charset="0"/>
+              </a:rPr>
+              <a:t>function* WeaponGenerator() {</a:t>
+            </a:r>
+          </a:p>
+          <a:p>
+            <a:r>
+              <a:rPr lang="zh-CN" altLang="en-US" sz="1400" dirty="0">
+                <a:latin typeface="Courier New" panose="02070309020205020404" pitchFamily="49" charset="0"/>
+                <a:ea typeface="PingFang SC Thin" panose="020B0200000000000000" pitchFamily="34" charset="-122"/>
+                <a:cs typeface="Courier New" panose="02070309020205020404" pitchFamily="49" charset="0"/>
+              </a:rPr>
+              <a:t>  yield "Katana";</a:t>
+            </a:r>
+          </a:p>
+          <a:p>
+            <a:r>
+              <a:rPr lang="zh-CN" altLang="en-US" sz="1400" dirty="0">
+                <a:latin typeface="Courier New" panose="02070309020205020404" pitchFamily="49" charset="0"/>
+                <a:ea typeface="PingFang SC Thin" panose="020B0200000000000000" pitchFamily="34" charset="-122"/>
+                <a:cs typeface="Courier New" panose="02070309020205020404" pitchFamily="49" charset="0"/>
+              </a:rPr>
+              <a:t>  yield "Wkizashi";</a:t>
+            </a:r>
+          </a:p>
+          <a:p>
+            <a:r>
+              <a:rPr lang="zh-CN" altLang="en-US" sz="1400" dirty="0">
+                <a:latin typeface="Courier New" panose="02070309020205020404" pitchFamily="49" charset="0"/>
+                <a:ea typeface="PingFang SC Thin" panose="020B0200000000000000" pitchFamily="34" charset="-122"/>
+                <a:cs typeface="Courier New" panose="02070309020205020404" pitchFamily="49" charset="0"/>
+              </a:rPr>
+              <a:t>}</a:t>
+            </a:r>
+          </a:p>
+          <a:p>
+            <a:endParaRPr lang="zh-CN" altLang="en-US" sz="1400" dirty="0">
+              <a:latin typeface="Courier New" panose="02070309020205020404" pitchFamily="49" charset="0"/>
+              <a:ea typeface="PingFang SC Thin" panose="020B0200000000000000" pitchFamily="34" charset="-122"/>
+              <a:cs typeface="Courier New" panose="02070309020205020404" pitchFamily="49" charset="0"/>
+            </a:endParaRPr>
+          </a:p>
+          <a:p>
+            <a:r>
+              <a:rPr lang="zh-CN" altLang="en-US" sz="1400" dirty="0">
+                <a:latin typeface="Courier New" panose="02070309020205020404" pitchFamily="49" charset="0"/>
+                <a:ea typeface="PingFang SC Thin" panose="020B0200000000000000" pitchFamily="34" charset="-122"/>
+                <a:cs typeface="Courier New" panose="02070309020205020404" pitchFamily="49" charset="0"/>
+              </a:rPr>
+              <a:t>const weaponsIterator = WeaponGenerator();</a:t>
+            </a:r>
+          </a:p>
+          <a:p>
+            <a:r>
+              <a:rPr lang="zh-CN" altLang="en-US" sz="1400" dirty="0">
+                <a:latin typeface="Courier New" panose="02070309020205020404" pitchFamily="49" charset="0"/>
+                <a:ea typeface="PingFang SC Thin" panose="020B0200000000000000" pitchFamily="34" charset="-122"/>
+                <a:cs typeface="Courier New" panose="02070309020205020404" pitchFamily="49" charset="0"/>
+              </a:rPr>
+              <a:t>const result1 = weaponsIterator.next();</a:t>
+            </a:r>
+            <a:endParaRPr lang="en-US" altLang="zh-CN" sz="1400" dirty="0">
+              <a:latin typeface="Courier New" panose="02070309020205020404" pitchFamily="49" charset="0"/>
+              <a:ea typeface="PingFang SC Thin" panose="020B0200000000000000" pitchFamily="34" charset="-122"/>
+              <a:cs typeface="Courier New" panose="02070309020205020404" pitchFamily="49" charset="0"/>
+            </a:endParaRPr>
+          </a:p>
+          <a:p>
+            <a:endParaRPr lang="en-US" altLang="zh-CN" sz="1400" dirty="0">
+              <a:latin typeface="Courier New" panose="02070309020205020404" pitchFamily="49" charset="0"/>
+              <a:ea typeface="PingFang SC Thin" panose="020B0200000000000000" pitchFamily="34" charset="-122"/>
+              <a:cs typeface="Courier New" panose="02070309020205020404" pitchFamily="49" charset="0"/>
+            </a:endParaRPr>
+          </a:p>
+          <a:p>
+            <a:r>
+              <a:rPr lang="en-US" altLang="zh-CN" sz="1400" dirty="0">
+                <a:latin typeface="Courier New" panose="02070309020205020404" pitchFamily="49" charset="0"/>
+                <a:ea typeface="PingFang SC Thin" panose="020B0200000000000000" pitchFamily="34" charset="-122"/>
+                <a:cs typeface="Courier New" panose="02070309020205020404" pitchFamily="49" charset="0"/>
+              </a:rPr>
+              <a:t>result1</a:t>
+            </a:r>
+            <a:r>
+              <a:rPr lang="zh-CN" altLang="en-US" sz="1400" dirty="0">
+                <a:latin typeface="Courier New" panose="02070309020205020404" pitchFamily="49" charset="0"/>
+                <a:ea typeface="PingFang SC Thin" panose="020B0200000000000000" pitchFamily="34" charset="-122"/>
+                <a:cs typeface="Courier New" panose="02070309020205020404" pitchFamily="49" charset="0"/>
+              </a:rPr>
+              <a:t> </a:t>
+            </a:r>
+            <a:r>
+              <a:rPr lang="en-US" altLang="zh-CN" sz="1400" dirty="0">
+                <a:latin typeface="Courier New" panose="02070309020205020404" pitchFamily="49" charset="0"/>
+                <a:ea typeface="PingFang SC Thin" panose="020B0200000000000000" pitchFamily="34" charset="-122"/>
+                <a:cs typeface="Courier New" panose="02070309020205020404" pitchFamily="49" charset="0"/>
+              </a:rPr>
+              <a:t>=</a:t>
+            </a:r>
+            <a:r>
+              <a:rPr lang="zh-CN" altLang="en-US" sz="1400" dirty="0">
+                <a:latin typeface="Courier New" panose="02070309020205020404" pitchFamily="49" charset="0"/>
+                <a:ea typeface="PingFang SC Thin" panose="020B0200000000000000" pitchFamily="34" charset="-122"/>
+                <a:cs typeface="Courier New" panose="02070309020205020404" pitchFamily="49" charset="0"/>
+              </a:rPr>
+              <a:t> </a:t>
+            </a:r>
+            <a:r>
+              <a:rPr lang="en-US" altLang="zh-CN" sz="1400" dirty="0">
+                <a:latin typeface="Courier New" panose="02070309020205020404" pitchFamily="49" charset="0"/>
+                <a:ea typeface="PingFang SC Thin" panose="020B0200000000000000" pitchFamily="34" charset="-122"/>
+                <a:cs typeface="Courier New" panose="02070309020205020404" pitchFamily="49" charset="0"/>
+              </a:rPr>
+              <a:t>{</a:t>
+            </a:r>
+          </a:p>
+          <a:p>
+            <a:r>
+              <a:rPr lang="zh-CN" altLang="en-US" sz="1400" dirty="0">
+                <a:latin typeface="Courier New" panose="02070309020205020404" pitchFamily="49" charset="0"/>
+                <a:ea typeface="PingFang SC Thin" panose="020B0200000000000000" pitchFamily="34" charset="-122"/>
+                <a:cs typeface="Courier New" panose="02070309020205020404" pitchFamily="49" charset="0"/>
+              </a:rPr>
+              <a:t>  </a:t>
+            </a:r>
+            <a:r>
+              <a:rPr lang="en-US" altLang="zh-CN" sz="1400" dirty="0">
+                <a:latin typeface="Courier New" panose="02070309020205020404" pitchFamily="49" charset="0"/>
+                <a:ea typeface="PingFang SC Thin" panose="020B0200000000000000" pitchFamily="34" charset="-122"/>
+                <a:cs typeface="Courier New" panose="02070309020205020404" pitchFamily="49" charset="0"/>
+              </a:rPr>
+              <a:t>value:</a:t>
+            </a:r>
+            <a:r>
+              <a:rPr lang="zh-CN" altLang="en-US" sz="1400" dirty="0">
+                <a:latin typeface="Courier New" panose="02070309020205020404" pitchFamily="49" charset="0"/>
+                <a:ea typeface="PingFang SC Thin" panose="020B0200000000000000" pitchFamily="34" charset="-122"/>
+                <a:cs typeface="Courier New" panose="02070309020205020404" pitchFamily="49" charset="0"/>
+              </a:rPr>
+              <a:t> </a:t>
+            </a:r>
+            <a:r>
+              <a:rPr lang="en-US" altLang="zh-CN" sz="1400" dirty="0">
+                <a:latin typeface="Courier New" panose="02070309020205020404" pitchFamily="49" charset="0"/>
+                <a:ea typeface="PingFang SC Thin" panose="020B0200000000000000" pitchFamily="34" charset="-122"/>
+                <a:cs typeface="Courier New" panose="02070309020205020404" pitchFamily="49" charset="0"/>
+              </a:rPr>
+              <a:t>"Katana",</a:t>
+            </a:r>
+          </a:p>
+          <a:p>
+            <a:r>
+              <a:rPr lang="zh-CN" altLang="en-US" sz="1400" dirty="0">
+                <a:latin typeface="Courier New" panose="02070309020205020404" pitchFamily="49" charset="0"/>
+                <a:ea typeface="PingFang SC Thin" panose="020B0200000000000000" pitchFamily="34" charset="-122"/>
+                <a:cs typeface="Courier New" panose="02070309020205020404" pitchFamily="49" charset="0"/>
+              </a:rPr>
+              <a:t>  </a:t>
+            </a:r>
+            <a:r>
+              <a:rPr lang="en-US" altLang="zh-CN" sz="1400" dirty="0">
+                <a:latin typeface="Courier New" panose="02070309020205020404" pitchFamily="49" charset="0"/>
+                <a:ea typeface="PingFang SC Thin" panose="020B0200000000000000" pitchFamily="34" charset="-122"/>
+                <a:cs typeface="Courier New" panose="02070309020205020404" pitchFamily="49" charset="0"/>
+              </a:rPr>
+              <a:t>done:</a:t>
+            </a:r>
+            <a:r>
+              <a:rPr lang="zh-CN" altLang="en-US" sz="1400" dirty="0">
+                <a:latin typeface="Courier New" panose="02070309020205020404" pitchFamily="49" charset="0"/>
+                <a:ea typeface="PingFang SC Thin" panose="020B0200000000000000" pitchFamily="34" charset="-122"/>
+                <a:cs typeface="Courier New" panose="02070309020205020404" pitchFamily="49" charset="0"/>
+              </a:rPr>
+              <a:t> </a:t>
+            </a:r>
+            <a:r>
+              <a:rPr lang="en-US" altLang="zh-CN" sz="1400" dirty="0">
+                <a:latin typeface="Courier New" panose="02070309020205020404" pitchFamily="49" charset="0"/>
+                <a:ea typeface="PingFang SC Thin" panose="020B0200000000000000" pitchFamily="34" charset="-122"/>
+                <a:cs typeface="Courier New" panose="02070309020205020404" pitchFamily="49" charset="0"/>
+              </a:rPr>
+              <a:t>false</a:t>
+            </a:r>
+          </a:p>
+          <a:p>
+            <a:r>
+              <a:rPr lang="en-US" altLang="zh-CN" sz="1400" dirty="0">
+                <a:latin typeface="Courier New" panose="02070309020205020404" pitchFamily="49" charset="0"/>
+                <a:ea typeface="PingFang SC Thin" panose="020B0200000000000000" pitchFamily="34" charset="-122"/>
+                <a:cs typeface="Courier New" panose="02070309020205020404" pitchFamily="49" charset="0"/>
+              </a:rPr>
+              <a:t>}</a:t>
+            </a:r>
+            <a:endParaRPr lang="zh-CN" altLang="en-US" sz="1400" dirty="0">
+              <a:latin typeface="Courier New" panose="02070309020205020404" pitchFamily="49" charset="0"/>
+              <a:ea typeface="PingFang SC Thin" panose="020B0200000000000000" pitchFamily="34" charset="-122"/>
+              <a:cs typeface="Courier New" panose="02070309020205020404" pitchFamily="49" charset="0"/>
+            </a:endParaRPr>
           </a:p>
         </p:txBody>
       </p:sp>

--- a/2 前端/《JavaScript忍者秘籍（第2版）》.pptx
+++ b/2 前端/《JavaScript忍者秘籍（第2版）》.pptx
@@ -5,7 +5,7 @@
     <p:sldMasterId id="2147483648" r:id="rId1"/>
   </p:sldMasterIdLst>
   <p:notesMasterIdLst>
-    <p:notesMasterId r:id="rId10"/>
+    <p:notesMasterId r:id="rId11"/>
   </p:notesMasterIdLst>
   <p:sldIdLst>
     <p:sldId id="704" r:id="rId2"/>
@@ -14,8 +14,9 @@
     <p:sldId id="707" r:id="rId5"/>
     <p:sldId id="705" r:id="rId6"/>
     <p:sldId id="706" r:id="rId7"/>
-    <p:sldId id="710" r:id="rId8"/>
-    <p:sldId id="711" r:id="rId9"/>
+    <p:sldId id="712" r:id="rId8"/>
+    <p:sldId id="710" r:id="rId9"/>
+    <p:sldId id="711" r:id="rId10"/>
   </p:sldIdLst>
   <p:sldSz cx="12192000" cy="6858000"/>
   <p:notesSz cx="6858000" cy="9144000"/>
@@ -207,7 +208,7 @@
           <a:p>
             <a:fld id="{7F25A8C7-CC1A-4A08-9B4B-31F43B054C7F}" type="datetimeFigureOut">
               <a:rPr lang="zh-CN" altLang="en-US" smtClean="0"/>
-              <a:t>2021/4/20</a:t>
+              <a:t>2021/4/22</a:t>
             </a:fld>
             <a:endParaRPr lang="zh-CN" altLang="en-US"/>
           </a:p>
@@ -503,7 +504,7 @@
           <a:p>
             <a:fld id="{760FBDFE-C587-4B4C-A407-44438C67B59E}" type="datetimeFigureOut">
               <a:rPr lang="zh-CN" altLang="en-US" smtClean="0"/>
-              <a:t>2021/4/20</a:t>
+              <a:t>2021/4/22</a:t>
             </a:fld>
             <a:endParaRPr lang="zh-CN" altLang="en-US"/>
           </a:p>
@@ -724,7 +725,7 @@
           <a:p>
             <a:fld id="{D997B5FA-0921-464F-AAE1-844C04324D75}" type="datetimeFigureOut">
               <a:rPr lang="zh-CN" altLang="en-US" smtClean="0"/>
-              <a:t>2021/4/20</a:t>
+              <a:t>2021/4/22</a:t>
             </a:fld>
             <a:endParaRPr lang="zh-CN" altLang="en-US" dirty="0"/>
           </a:p>
@@ -3401,7 +3402,7 @@
         </p:nvSpPr>
         <p:spPr>
           <a:xfrm>
-            <a:off x="715560" y="2807869"/>
+            <a:off x="1755466" y="2475758"/>
             <a:ext cx="2748900" cy="1906484"/>
           </a:xfrm>
           <a:prstGeom prst="rect">
@@ -3503,8 +3504,8 @@
         </p:nvSpPr>
         <p:spPr>
           <a:xfrm>
-            <a:off x="5519466" y="3874476"/>
-            <a:ext cx="4876800" cy="1167820"/>
+            <a:off x="5559734" y="2310327"/>
+            <a:ext cx="4876800" cy="1721818"/>
           </a:xfrm>
           <a:prstGeom prst="rect">
             <a:avLst/>
@@ -3536,6 +3537,19 @@
           </a:lstStyle>
           <a:p>
             <a:r>
+              <a:rPr lang="zh-CN" altLang="en-US" sz="2400" b="1" dirty="0">
+                <a:latin typeface="+mn-ea"/>
+                <a:ea typeface="+mn-ea"/>
+              </a:rPr>
+              <a:t>生成器</a:t>
+            </a:r>
+            <a:endParaRPr lang="en-US" altLang="zh-CN" sz="2400" b="1" dirty="0">
+              <a:latin typeface="+mn-ea"/>
+              <a:ea typeface="+mn-ea"/>
+            </a:endParaRPr>
+          </a:p>
+          <a:p>
+            <a:r>
               <a:rPr lang="zh-CN" altLang="en-US" sz="1600" dirty="0"/>
               <a:t>生成器（</a:t>
             </a:r>
@@ -3584,243 +3598,6 @@
               <a:rPr lang="en-US" altLang="zh-CN" sz="1600" dirty="0"/>
               <a:t>next()</a:t>
             </a:r>
-          </a:p>
-        </p:txBody>
-      </p:sp>
-      <p:sp>
-        <p:nvSpPr>
-          <p:cNvPr id="2" name="矩形 1">
-            <a:extLst>
-              <a:ext uri="{FF2B5EF4-FFF2-40B4-BE49-F238E27FC236}">
-                <a16:creationId xmlns:a16="http://schemas.microsoft.com/office/drawing/2014/main" id="{ACFE84BA-B0FB-B14F-8BE5-D9627017DC94}"/>
-              </a:ext>
-            </a:extLst>
-          </p:cNvPr>
-          <p:cNvSpPr/>
-          <p:nvPr/>
-        </p:nvSpPr>
-        <p:spPr>
-          <a:xfrm>
-            <a:off x="5519466" y="615585"/>
-            <a:ext cx="5298831" cy="2677656"/>
-          </a:xfrm>
-          <a:prstGeom prst="rect">
-            <a:avLst/>
-          </a:prstGeom>
-          <a:solidFill>
-            <a:schemeClr val="bg1">
-              <a:lumMod val="95000"/>
-            </a:schemeClr>
-          </a:solidFill>
-        </p:spPr>
-        <p:txBody>
-          <a:bodyPr wrap="square">
-            <a:spAutoFit/>
-          </a:bodyPr>
-          <a:lstStyle/>
-          <a:p>
-            <a:r>
-              <a:rPr lang="zh-CN" altLang="en-US" sz="1400" dirty="0">
-                <a:latin typeface="Courier New" panose="02070309020205020404" pitchFamily="49" charset="0"/>
-                <a:ea typeface="PingFang SC Thin" panose="020B0200000000000000" pitchFamily="34" charset="-122"/>
-                <a:cs typeface="Courier New" panose="02070309020205020404" pitchFamily="49" charset="0"/>
-              </a:rPr>
-              <a:t>function* WeaponGenerator() {</a:t>
-            </a:r>
-          </a:p>
-          <a:p>
-            <a:r>
-              <a:rPr lang="zh-CN" altLang="en-US" sz="1400" dirty="0">
-                <a:latin typeface="Courier New" panose="02070309020205020404" pitchFamily="49" charset="0"/>
-                <a:ea typeface="PingFang SC Thin" panose="020B0200000000000000" pitchFamily="34" charset="-122"/>
-                <a:cs typeface="Courier New" panose="02070309020205020404" pitchFamily="49" charset="0"/>
-              </a:rPr>
-              <a:t>  yield "Katana";</a:t>
-            </a:r>
-          </a:p>
-          <a:p>
-            <a:r>
-              <a:rPr lang="zh-CN" altLang="en-US" sz="1400" dirty="0">
-                <a:latin typeface="Courier New" panose="02070309020205020404" pitchFamily="49" charset="0"/>
-                <a:ea typeface="PingFang SC Thin" panose="020B0200000000000000" pitchFamily="34" charset="-122"/>
-                <a:cs typeface="Courier New" panose="02070309020205020404" pitchFamily="49" charset="0"/>
-              </a:rPr>
-              <a:t>  yield "Wkizashi";</a:t>
-            </a:r>
-          </a:p>
-          <a:p>
-            <a:r>
-              <a:rPr lang="zh-CN" altLang="en-US" sz="1400" dirty="0">
-                <a:latin typeface="Courier New" panose="02070309020205020404" pitchFamily="49" charset="0"/>
-                <a:ea typeface="PingFang SC Thin" panose="020B0200000000000000" pitchFamily="34" charset="-122"/>
-                <a:cs typeface="Courier New" panose="02070309020205020404" pitchFamily="49" charset="0"/>
-              </a:rPr>
-              <a:t>}</a:t>
-            </a:r>
-          </a:p>
-          <a:p>
-            <a:endParaRPr lang="zh-CN" altLang="en-US" sz="1400" dirty="0">
-              <a:latin typeface="Courier New" panose="02070309020205020404" pitchFamily="49" charset="0"/>
-              <a:ea typeface="PingFang SC Thin" panose="020B0200000000000000" pitchFamily="34" charset="-122"/>
-              <a:cs typeface="Courier New" panose="02070309020205020404" pitchFamily="49" charset="0"/>
-            </a:endParaRPr>
-          </a:p>
-          <a:p>
-            <a:r>
-              <a:rPr lang="zh-CN" altLang="en-US" sz="1400" dirty="0">
-                <a:latin typeface="Courier New" panose="02070309020205020404" pitchFamily="49" charset="0"/>
-                <a:ea typeface="PingFang SC Thin" panose="020B0200000000000000" pitchFamily="34" charset="-122"/>
-                <a:cs typeface="Courier New" panose="02070309020205020404" pitchFamily="49" charset="0"/>
-              </a:rPr>
-              <a:t>const weaponsIterator = WeaponGenerator();</a:t>
-            </a:r>
-          </a:p>
-          <a:p>
-            <a:r>
-              <a:rPr lang="zh-CN" altLang="en-US" sz="1400" dirty="0">
-                <a:latin typeface="Courier New" panose="02070309020205020404" pitchFamily="49" charset="0"/>
-                <a:ea typeface="PingFang SC Thin" panose="020B0200000000000000" pitchFamily="34" charset="-122"/>
-                <a:cs typeface="Courier New" panose="02070309020205020404" pitchFamily="49" charset="0"/>
-              </a:rPr>
-              <a:t>const result1 = weaponsIterator.next();</a:t>
-            </a:r>
-            <a:endParaRPr lang="en-US" altLang="zh-CN" sz="1400" dirty="0">
-              <a:latin typeface="Courier New" panose="02070309020205020404" pitchFamily="49" charset="0"/>
-              <a:ea typeface="PingFang SC Thin" panose="020B0200000000000000" pitchFamily="34" charset="-122"/>
-              <a:cs typeface="Courier New" panose="02070309020205020404" pitchFamily="49" charset="0"/>
-            </a:endParaRPr>
-          </a:p>
-          <a:p>
-            <a:endParaRPr lang="en-US" altLang="zh-CN" sz="1400" dirty="0">
-              <a:latin typeface="Courier New" panose="02070309020205020404" pitchFamily="49" charset="0"/>
-              <a:ea typeface="PingFang SC Thin" panose="020B0200000000000000" pitchFamily="34" charset="-122"/>
-              <a:cs typeface="Courier New" panose="02070309020205020404" pitchFamily="49" charset="0"/>
-            </a:endParaRPr>
-          </a:p>
-          <a:p>
-            <a:r>
-              <a:rPr lang="en-US" altLang="zh-CN" sz="1400" dirty="0">
-                <a:latin typeface="Courier New" panose="02070309020205020404" pitchFamily="49" charset="0"/>
-                <a:ea typeface="PingFang SC Thin" panose="020B0200000000000000" pitchFamily="34" charset="-122"/>
-                <a:cs typeface="Courier New" panose="02070309020205020404" pitchFamily="49" charset="0"/>
-              </a:rPr>
-              <a:t>result1</a:t>
-            </a:r>
-            <a:r>
-              <a:rPr lang="zh-CN" altLang="en-US" sz="1400" dirty="0">
-                <a:latin typeface="Courier New" panose="02070309020205020404" pitchFamily="49" charset="0"/>
-                <a:ea typeface="PingFang SC Thin" panose="020B0200000000000000" pitchFamily="34" charset="-122"/>
-                <a:cs typeface="Courier New" panose="02070309020205020404" pitchFamily="49" charset="0"/>
-              </a:rPr>
-              <a:t> </a:t>
-            </a:r>
-            <a:r>
-              <a:rPr lang="en-US" altLang="zh-CN" sz="1400" dirty="0">
-                <a:latin typeface="Courier New" panose="02070309020205020404" pitchFamily="49" charset="0"/>
-                <a:ea typeface="PingFang SC Thin" panose="020B0200000000000000" pitchFamily="34" charset="-122"/>
-                <a:cs typeface="Courier New" panose="02070309020205020404" pitchFamily="49" charset="0"/>
-              </a:rPr>
-              <a:t>=</a:t>
-            </a:r>
-            <a:r>
-              <a:rPr lang="zh-CN" altLang="en-US" sz="1400" dirty="0">
-                <a:latin typeface="Courier New" panose="02070309020205020404" pitchFamily="49" charset="0"/>
-                <a:ea typeface="PingFang SC Thin" panose="020B0200000000000000" pitchFamily="34" charset="-122"/>
-                <a:cs typeface="Courier New" panose="02070309020205020404" pitchFamily="49" charset="0"/>
-              </a:rPr>
-              <a:t> </a:t>
-            </a:r>
-            <a:r>
-              <a:rPr lang="en-US" altLang="zh-CN" sz="1400" dirty="0">
-                <a:latin typeface="Courier New" panose="02070309020205020404" pitchFamily="49" charset="0"/>
-                <a:ea typeface="PingFang SC Thin" panose="020B0200000000000000" pitchFamily="34" charset="-122"/>
-                <a:cs typeface="Courier New" panose="02070309020205020404" pitchFamily="49" charset="0"/>
-              </a:rPr>
-              <a:t>{</a:t>
-            </a:r>
-          </a:p>
-          <a:p>
-            <a:r>
-              <a:rPr lang="zh-CN" altLang="en-US" sz="1400" dirty="0">
-                <a:latin typeface="Courier New" panose="02070309020205020404" pitchFamily="49" charset="0"/>
-                <a:ea typeface="PingFang SC Thin" panose="020B0200000000000000" pitchFamily="34" charset="-122"/>
-                <a:cs typeface="Courier New" panose="02070309020205020404" pitchFamily="49" charset="0"/>
-              </a:rPr>
-              <a:t>  </a:t>
-            </a:r>
-            <a:r>
-              <a:rPr lang="en-US" altLang="zh-CN" sz="1400" dirty="0">
-                <a:latin typeface="Courier New" panose="02070309020205020404" pitchFamily="49" charset="0"/>
-                <a:ea typeface="PingFang SC Thin" panose="020B0200000000000000" pitchFamily="34" charset="-122"/>
-                <a:cs typeface="Courier New" panose="02070309020205020404" pitchFamily="49" charset="0"/>
-              </a:rPr>
-              <a:t>value:</a:t>
-            </a:r>
-            <a:r>
-              <a:rPr lang="zh-CN" altLang="en-US" sz="1400" dirty="0">
-                <a:latin typeface="Courier New" panose="02070309020205020404" pitchFamily="49" charset="0"/>
-                <a:ea typeface="PingFang SC Thin" panose="020B0200000000000000" pitchFamily="34" charset="-122"/>
-                <a:cs typeface="Courier New" panose="02070309020205020404" pitchFamily="49" charset="0"/>
-              </a:rPr>
-              <a:t> </a:t>
-            </a:r>
-            <a:r>
-              <a:rPr lang="en-US" altLang="zh-CN" sz="1400" dirty="0">
-                <a:latin typeface="Courier New" panose="02070309020205020404" pitchFamily="49" charset="0"/>
-                <a:ea typeface="PingFang SC Thin" panose="020B0200000000000000" pitchFamily="34" charset="-122"/>
-                <a:cs typeface="Courier New" panose="02070309020205020404" pitchFamily="49" charset="0"/>
-              </a:rPr>
-              <a:t>"Katana",</a:t>
-            </a:r>
-          </a:p>
-          <a:p>
-            <a:r>
-              <a:rPr lang="zh-CN" altLang="en-US" sz="1400" dirty="0">
-                <a:latin typeface="Courier New" panose="02070309020205020404" pitchFamily="49" charset="0"/>
-                <a:ea typeface="PingFang SC Thin" panose="020B0200000000000000" pitchFamily="34" charset="-122"/>
-                <a:cs typeface="Courier New" panose="02070309020205020404" pitchFamily="49" charset="0"/>
-              </a:rPr>
-              <a:t>  </a:t>
-            </a:r>
-            <a:r>
-              <a:rPr lang="en-US" altLang="zh-CN" sz="1400" dirty="0">
-                <a:latin typeface="Courier New" panose="02070309020205020404" pitchFamily="49" charset="0"/>
-                <a:ea typeface="PingFang SC Thin" panose="020B0200000000000000" pitchFamily="34" charset="-122"/>
-                <a:cs typeface="Courier New" panose="02070309020205020404" pitchFamily="49" charset="0"/>
-              </a:rPr>
-              <a:t>done:</a:t>
-            </a:r>
-            <a:r>
-              <a:rPr lang="zh-CN" altLang="en-US" sz="1400" dirty="0">
-                <a:latin typeface="Courier New" panose="02070309020205020404" pitchFamily="49" charset="0"/>
-                <a:ea typeface="PingFang SC Thin" panose="020B0200000000000000" pitchFamily="34" charset="-122"/>
-                <a:cs typeface="Courier New" panose="02070309020205020404" pitchFamily="49" charset="0"/>
-              </a:rPr>
-              <a:t> </a:t>
-            </a:r>
-            <a:r>
-              <a:rPr lang="en-US" altLang="zh-CN" sz="1400" dirty="0">
-                <a:latin typeface="Courier New" panose="02070309020205020404" pitchFamily="49" charset="0"/>
-                <a:ea typeface="PingFang SC Thin" panose="020B0200000000000000" pitchFamily="34" charset="-122"/>
-                <a:cs typeface="Courier New" panose="02070309020205020404" pitchFamily="49" charset="0"/>
-              </a:rPr>
-              <a:t>false</a:t>
-            </a:r>
-          </a:p>
-          <a:p>
-            <a:r>
-              <a:rPr lang="en-US" altLang="zh-CN" sz="1400" dirty="0">
-                <a:latin typeface="Courier New" panose="02070309020205020404" pitchFamily="49" charset="0"/>
-                <a:ea typeface="PingFang SC Thin" panose="020B0200000000000000" pitchFamily="34" charset="-122"/>
-                <a:cs typeface="Courier New" panose="02070309020205020404" pitchFamily="49" charset="0"/>
-              </a:rPr>
-              <a:t>}</a:t>
-            </a:r>
-            <a:endParaRPr lang="zh-CN" altLang="en-US" sz="1400" dirty="0">
-              <a:latin typeface="Courier New" panose="02070309020205020404" pitchFamily="49" charset="0"/>
-              <a:ea typeface="PingFang SC Thin" panose="020B0200000000000000" pitchFamily="34" charset="-122"/>
-              <a:cs typeface="Courier New" panose="02070309020205020404" pitchFamily="49" charset="0"/>
-            </a:endParaRPr>
           </a:p>
         </p:txBody>
       </p:sp>
@@ -3869,6 +3646,677 @@
         <p:spPr>
           <a:xfrm>
             <a:off x="674238" y="630177"/>
+            <a:ext cx="2031325" cy="830997"/>
+          </a:xfrm>
+          <a:prstGeom prst="rect">
+            <a:avLst/>
+          </a:prstGeom>
+        </p:spPr>
+        <p:txBody>
+          <a:bodyPr wrap="none">
+            <a:spAutoFit/>
+          </a:bodyPr>
+          <a:lstStyle>
+            <a:defPPr>
+              <a:defRPr lang="zh-CN"/>
+            </a:defPPr>
+            <a:lvl1pPr>
+              <a:defRPr sz="4000" b="1">
+                <a:solidFill>
+                  <a:schemeClr val="bg2">
+                    <a:lumMod val="90000"/>
+                  </a:schemeClr>
+                </a:solidFill>
+                <a:latin typeface="Open Sans"/>
+              </a:defRPr>
+            </a:lvl1pPr>
+          </a:lstStyle>
+          <a:p>
+            <a:r>
+              <a:rPr lang="zh-CN" altLang="en-US" sz="4800" dirty="0">
+                <a:solidFill>
+                  <a:srgbClr val="00B0F0"/>
+                </a:solidFill>
+              </a:rPr>
+              <a:t>生成器</a:t>
+            </a:r>
+          </a:p>
+        </p:txBody>
+      </p:sp>
+      <p:sp>
+        <p:nvSpPr>
+          <p:cNvPr id="4" name="文本框 3">
+            <a:extLst>
+              <a:ext uri="{FF2B5EF4-FFF2-40B4-BE49-F238E27FC236}">
+                <a16:creationId xmlns:a16="http://schemas.microsoft.com/office/drawing/2014/main" id="{EF3E9254-2745-094D-AE46-2519CEAAD298}"/>
+              </a:ext>
+            </a:extLst>
+          </p:cNvPr>
+          <p:cNvSpPr txBox="1"/>
+          <p:nvPr/>
+        </p:nvSpPr>
+        <p:spPr>
+          <a:xfrm>
+            <a:off x="815918" y="3000402"/>
+            <a:ext cx="4876800" cy="1167820"/>
+          </a:xfrm>
+          <a:prstGeom prst="rect">
+            <a:avLst/>
+          </a:prstGeom>
+        </p:spPr>
+        <p:txBody>
+          <a:bodyPr wrap="square">
+            <a:spAutoFit/>
+          </a:bodyPr>
+          <a:lstStyle>
+            <a:defPPr>
+              <a:defRPr lang="zh-CN"/>
+            </a:defPPr>
+            <a:lvl1pPr>
+              <a:lnSpc>
+                <a:spcPct val="150000"/>
+              </a:lnSpc>
+              <a:defRPr b="0">
+                <a:solidFill>
+                  <a:schemeClr val="tx1">
+                    <a:lumMod val="75000"/>
+                    <a:lumOff val="25000"/>
+                  </a:schemeClr>
+                </a:solidFill>
+                <a:latin typeface="PingFang SC Thin" panose="020B0200000000000000" pitchFamily="34" charset="-122"/>
+                <a:ea typeface="PingFang SC Thin" panose="020B0200000000000000" pitchFamily="34" charset="-122"/>
+              </a:defRPr>
+            </a:lvl1pPr>
+          </a:lstStyle>
+          <a:p>
+            <a:r>
+              <a:rPr lang="zh-CN" altLang="en-US" sz="1600" dirty="0"/>
+              <a:t>生成器（</a:t>
+            </a:r>
+            <a:r>
+              <a:rPr lang="en-US" altLang="zh-CN" sz="1600" dirty="0"/>
+              <a:t>generator</a:t>
+            </a:r>
+            <a:r>
+              <a:rPr lang="zh-CN" altLang="en-US" sz="1600" dirty="0"/>
+              <a:t>）、迭代器（</a:t>
+            </a:r>
+            <a:r>
+              <a:rPr lang="en-US" altLang="zh-CN" sz="1600" dirty="0"/>
+              <a:t>iterator</a:t>
+            </a:r>
+            <a:r>
+              <a:rPr lang="zh-CN" altLang="en-US" sz="1600" dirty="0"/>
+              <a:t>）</a:t>
+            </a:r>
+            <a:endParaRPr lang="en-US" altLang="zh-CN" sz="1600" dirty="0"/>
+          </a:p>
+          <a:p>
+            <a:r>
+              <a:rPr lang="en-US" altLang="zh-CN" sz="1600" dirty="0"/>
+              <a:t>for-of</a:t>
+            </a:r>
+          </a:p>
+          <a:p>
+            <a:r>
+              <a:rPr lang="en-US" altLang="zh-CN" sz="1600" dirty="0"/>
+              <a:t>yield</a:t>
+            </a:r>
+            <a:r>
+              <a:rPr lang="zh-CN" altLang="en-US" sz="1600" dirty="0"/>
+              <a:t>、</a:t>
+            </a:r>
+            <a:r>
+              <a:rPr lang="en-US" altLang="zh-CN" sz="1600" dirty="0"/>
+              <a:t>yield</a:t>
+            </a:r>
+            <a:r>
+              <a:rPr lang="zh-CN" altLang="en-US" sz="1600" dirty="0"/>
+              <a:t>*、</a:t>
+            </a:r>
+            <a:r>
+              <a:rPr lang="en-US" altLang="zh-CN" sz="1600" dirty="0"/>
+              <a:t>next()</a:t>
+            </a:r>
+          </a:p>
+        </p:txBody>
+      </p:sp>
+      <p:sp>
+        <p:nvSpPr>
+          <p:cNvPr id="2" name="矩形 1">
+            <a:extLst>
+              <a:ext uri="{FF2B5EF4-FFF2-40B4-BE49-F238E27FC236}">
+                <a16:creationId xmlns:a16="http://schemas.microsoft.com/office/drawing/2014/main" id="{ACFE84BA-B0FB-B14F-8BE5-D9627017DC94}"/>
+              </a:ext>
+            </a:extLst>
+          </p:cNvPr>
+          <p:cNvSpPr/>
+          <p:nvPr/>
+        </p:nvSpPr>
+        <p:spPr>
+          <a:xfrm>
+            <a:off x="5994178" y="632774"/>
+            <a:ext cx="3553234" cy="1938992"/>
+          </a:xfrm>
+          <a:prstGeom prst="rect">
+            <a:avLst/>
+          </a:prstGeom>
+          <a:solidFill>
+            <a:schemeClr val="bg1">
+              <a:lumMod val="95000"/>
+            </a:schemeClr>
+          </a:solidFill>
+        </p:spPr>
+        <p:txBody>
+          <a:bodyPr wrap="square">
+            <a:spAutoFit/>
+          </a:bodyPr>
+          <a:lstStyle/>
+          <a:p>
+            <a:r>
+              <a:rPr lang="zh-CN" altLang="en-US" sz="1000" dirty="0">
+                <a:latin typeface="Courier New" panose="02070309020205020404" pitchFamily="49" charset="0"/>
+                <a:ea typeface="PingFang SC Thin" panose="020B0200000000000000" pitchFamily="34" charset="-122"/>
+                <a:cs typeface="Courier New" panose="02070309020205020404" pitchFamily="49" charset="0"/>
+              </a:rPr>
+              <a:t>function* WeaponGenerator() {</a:t>
+            </a:r>
+          </a:p>
+          <a:p>
+            <a:r>
+              <a:rPr lang="zh-CN" altLang="en-US" sz="1000" dirty="0">
+                <a:latin typeface="Courier New" panose="02070309020205020404" pitchFamily="49" charset="0"/>
+                <a:ea typeface="PingFang SC Thin" panose="020B0200000000000000" pitchFamily="34" charset="-122"/>
+                <a:cs typeface="Courier New" panose="02070309020205020404" pitchFamily="49" charset="0"/>
+              </a:rPr>
+              <a:t>  yield "Katana";</a:t>
+            </a:r>
+          </a:p>
+          <a:p>
+            <a:r>
+              <a:rPr lang="zh-CN" altLang="en-US" sz="1000" dirty="0">
+                <a:latin typeface="Courier New" panose="02070309020205020404" pitchFamily="49" charset="0"/>
+                <a:ea typeface="PingFang SC Thin" panose="020B0200000000000000" pitchFamily="34" charset="-122"/>
+                <a:cs typeface="Courier New" panose="02070309020205020404" pitchFamily="49" charset="0"/>
+              </a:rPr>
+              <a:t>  yield "Wkizashi";</a:t>
+            </a:r>
+          </a:p>
+          <a:p>
+            <a:r>
+              <a:rPr lang="zh-CN" altLang="en-US" sz="1000" dirty="0">
+                <a:latin typeface="Courier New" panose="02070309020205020404" pitchFamily="49" charset="0"/>
+                <a:ea typeface="PingFang SC Thin" panose="020B0200000000000000" pitchFamily="34" charset="-122"/>
+                <a:cs typeface="Courier New" panose="02070309020205020404" pitchFamily="49" charset="0"/>
+              </a:rPr>
+              <a:t>}</a:t>
+            </a:r>
+          </a:p>
+          <a:p>
+            <a:endParaRPr lang="zh-CN" altLang="en-US" sz="1000" dirty="0">
+              <a:latin typeface="Courier New" panose="02070309020205020404" pitchFamily="49" charset="0"/>
+              <a:ea typeface="PingFang SC Thin" panose="020B0200000000000000" pitchFamily="34" charset="-122"/>
+              <a:cs typeface="Courier New" panose="02070309020205020404" pitchFamily="49" charset="0"/>
+            </a:endParaRPr>
+          </a:p>
+          <a:p>
+            <a:r>
+              <a:rPr lang="zh-CN" altLang="en-US" sz="1000" dirty="0">
+                <a:latin typeface="Courier New" panose="02070309020205020404" pitchFamily="49" charset="0"/>
+                <a:ea typeface="PingFang SC Thin" panose="020B0200000000000000" pitchFamily="34" charset="-122"/>
+                <a:cs typeface="Courier New" panose="02070309020205020404" pitchFamily="49" charset="0"/>
+              </a:rPr>
+              <a:t>const weaponsIterator = WeaponGenerator();</a:t>
+            </a:r>
+          </a:p>
+          <a:p>
+            <a:r>
+              <a:rPr lang="zh-CN" altLang="en-US" sz="1000" dirty="0">
+                <a:latin typeface="Courier New" panose="02070309020205020404" pitchFamily="49" charset="0"/>
+                <a:ea typeface="PingFang SC Thin" panose="020B0200000000000000" pitchFamily="34" charset="-122"/>
+                <a:cs typeface="Courier New" panose="02070309020205020404" pitchFamily="49" charset="0"/>
+              </a:rPr>
+              <a:t>const result1 = weaponsIterator.next();</a:t>
+            </a:r>
+            <a:endParaRPr lang="en-US" altLang="zh-CN" sz="1000" dirty="0">
+              <a:latin typeface="Courier New" panose="02070309020205020404" pitchFamily="49" charset="0"/>
+              <a:ea typeface="PingFang SC Thin" panose="020B0200000000000000" pitchFamily="34" charset="-122"/>
+              <a:cs typeface="Courier New" panose="02070309020205020404" pitchFamily="49" charset="0"/>
+            </a:endParaRPr>
+          </a:p>
+          <a:p>
+            <a:endParaRPr lang="en-US" altLang="zh-CN" sz="1000" dirty="0">
+              <a:latin typeface="Courier New" panose="02070309020205020404" pitchFamily="49" charset="0"/>
+              <a:ea typeface="PingFang SC Thin" panose="020B0200000000000000" pitchFamily="34" charset="-122"/>
+              <a:cs typeface="Courier New" panose="02070309020205020404" pitchFamily="49" charset="0"/>
+            </a:endParaRPr>
+          </a:p>
+          <a:p>
+            <a:r>
+              <a:rPr lang="en-US" altLang="zh-CN" sz="1000" dirty="0">
+                <a:latin typeface="Courier New" panose="02070309020205020404" pitchFamily="49" charset="0"/>
+                <a:ea typeface="PingFang SC Thin" panose="020B0200000000000000" pitchFamily="34" charset="-122"/>
+                <a:cs typeface="Courier New" panose="02070309020205020404" pitchFamily="49" charset="0"/>
+              </a:rPr>
+              <a:t>result1</a:t>
+            </a:r>
+            <a:r>
+              <a:rPr lang="zh-CN" altLang="en-US" sz="1000" dirty="0">
+                <a:latin typeface="Courier New" panose="02070309020205020404" pitchFamily="49" charset="0"/>
+                <a:ea typeface="PingFang SC Thin" panose="020B0200000000000000" pitchFamily="34" charset="-122"/>
+                <a:cs typeface="Courier New" panose="02070309020205020404" pitchFamily="49" charset="0"/>
+              </a:rPr>
+              <a:t> </a:t>
+            </a:r>
+            <a:r>
+              <a:rPr lang="en-US" altLang="zh-CN" sz="1000" dirty="0">
+                <a:latin typeface="Courier New" panose="02070309020205020404" pitchFamily="49" charset="0"/>
+                <a:ea typeface="PingFang SC Thin" panose="020B0200000000000000" pitchFamily="34" charset="-122"/>
+                <a:cs typeface="Courier New" panose="02070309020205020404" pitchFamily="49" charset="0"/>
+              </a:rPr>
+              <a:t>=</a:t>
+            </a:r>
+            <a:r>
+              <a:rPr lang="zh-CN" altLang="en-US" sz="1000" dirty="0">
+                <a:latin typeface="Courier New" panose="02070309020205020404" pitchFamily="49" charset="0"/>
+                <a:ea typeface="PingFang SC Thin" panose="020B0200000000000000" pitchFamily="34" charset="-122"/>
+                <a:cs typeface="Courier New" panose="02070309020205020404" pitchFamily="49" charset="0"/>
+              </a:rPr>
+              <a:t> </a:t>
+            </a:r>
+            <a:r>
+              <a:rPr lang="en-US" altLang="zh-CN" sz="1000" dirty="0">
+                <a:latin typeface="Courier New" panose="02070309020205020404" pitchFamily="49" charset="0"/>
+                <a:ea typeface="PingFang SC Thin" panose="020B0200000000000000" pitchFamily="34" charset="-122"/>
+                <a:cs typeface="Courier New" panose="02070309020205020404" pitchFamily="49" charset="0"/>
+              </a:rPr>
+              <a:t>{</a:t>
+            </a:r>
+          </a:p>
+          <a:p>
+            <a:r>
+              <a:rPr lang="zh-CN" altLang="en-US" sz="1000" dirty="0">
+                <a:latin typeface="Courier New" panose="02070309020205020404" pitchFamily="49" charset="0"/>
+                <a:ea typeface="PingFang SC Thin" panose="020B0200000000000000" pitchFamily="34" charset="-122"/>
+                <a:cs typeface="Courier New" panose="02070309020205020404" pitchFamily="49" charset="0"/>
+              </a:rPr>
+              <a:t>  </a:t>
+            </a:r>
+            <a:r>
+              <a:rPr lang="en-US" altLang="zh-CN" sz="1000" dirty="0">
+                <a:latin typeface="Courier New" panose="02070309020205020404" pitchFamily="49" charset="0"/>
+                <a:ea typeface="PingFang SC Thin" panose="020B0200000000000000" pitchFamily="34" charset="-122"/>
+                <a:cs typeface="Courier New" panose="02070309020205020404" pitchFamily="49" charset="0"/>
+              </a:rPr>
+              <a:t>value:</a:t>
+            </a:r>
+            <a:r>
+              <a:rPr lang="zh-CN" altLang="en-US" sz="1000" dirty="0">
+                <a:latin typeface="Courier New" panose="02070309020205020404" pitchFamily="49" charset="0"/>
+                <a:ea typeface="PingFang SC Thin" panose="020B0200000000000000" pitchFamily="34" charset="-122"/>
+                <a:cs typeface="Courier New" panose="02070309020205020404" pitchFamily="49" charset="0"/>
+              </a:rPr>
+              <a:t> </a:t>
+            </a:r>
+            <a:r>
+              <a:rPr lang="en-US" altLang="zh-CN" sz="1000" dirty="0">
+                <a:latin typeface="Courier New" panose="02070309020205020404" pitchFamily="49" charset="0"/>
+                <a:ea typeface="PingFang SC Thin" panose="020B0200000000000000" pitchFamily="34" charset="-122"/>
+                <a:cs typeface="Courier New" panose="02070309020205020404" pitchFamily="49" charset="0"/>
+              </a:rPr>
+              <a:t>"Katana",</a:t>
+            </a:r>
+          </a:p>
+          <a:p>
+            <a:r>
+              <a:rPr lang="zh-CN" altLang="en-US" sz="1000" dirty="0">
+                <a:latin typeface="Courier New" panose="02070309020205020404" pitchFamily="49" charset="0"/>
+                <a:ea typeface="PingFang SC Thin" panose="020B0200000000000000" pitchFamily="34" charset="-122"/>
+                <a:cs typeface="Courier New" panose="02070309020205020404" pitchFamily="49" charset="0"/>
+              </a:rPr>
+              <a:t>  </a:t>
+            </a:r>
+            <a:r>
+              <a:rPr lang="en-US" altLang="zh-CN" sz="1000" dirty="0">
+                <a:latin typeface="Courier New" panose="02070309020205020404" pitchFamily="49" charset="0"/>
+                <a:ea typeface="PingFang SC Thin" panose="020B0200000000000000" pitchFamily="34" charset="-122"/>
+                <a:cs typeface="Courier New" panose="02070309020205020404" pitchFamily="49" charset="0"/>
+              </a:rPr>
+              <a:t>done:</a:t>
+            </a:r>
+            <a:r>
+              <a:rPr lang="zh-CN" altLang="en-US" sz="1000" dirty="0">
+                <a:latin typeface="Courier New" panose="02070309020205020404" pitchFamily="49" charset="0"/>
+                <a:ea typeface="PingFang SC Thin" panose="020B0200000000000000" pitchFamily="34" charset="-122"/>
+                <a:cs typeface="Courier New" panose="02070309020205020404" pitchFamily="49" charset="0"/>
+              </a:rPr>
+              <a:t> </a:t>
+            </a:r>
+            <a:r>
+              <a:rPr lang="en-US" altLang="zh-CN" sz="1000" dirty="0">
+                <a:latin typeface="Courier New" panose="02070309020205020404" pitchFamily="49" charset="0"/>
+                <a:ea typeface="PingFang SC Thin" panose="020B0200000000000000" pitchFamily="34" charset="-122"/>
+                <a:cs typeface="Courier New" panose="02070309020205020404" pitchFamily="49" charset="0"/>
+              </a:rPr>
+              <a:t>false</a:t>
+            </a:r>
+          </a:p>
+          <a:p>
+            <a:r>
+              <a:rPr lang="en-US" altLang="zh-CN" sz="1000" dirty="0">
+                <a:latin typeface="Courier New" panose="02070309020205020404" pitchFamily="49" charset="0"/>
+                <a:ea typeface="PingFang SC Thin" panose="020B0200000000000000" pitchFamily="34" charset="-122"/>
+                <a:cs typeface="Courier New" panose="02070309020205020404" pitchFamily="49" charset="0"/>
+              </a:rPr>
+              <a:t>}</a:t>
+            </a:r>
+            <a:endParaRPr lang="zh-CN" altLang="en-US" sz="1000" dirty="0">
+              <a:latin typeface="Courier New" panose="02070309020205020404" pitchFamily="49" charset="0"/>
+              <a:ea typeface="PingFang SC Thin" panose="020B0200000000000000" pitchFamily="34" charset="-122"/>
+              <a:cs typeface="Courier New" panose="02070309020205020404" pitchFamily="49" charset="0"/>
+            </a:endParaRPr>
+          </a:p>
+        </p:txBody>
+      </p:sp>
+      <p:sp>
+        <p:nvSpPr>
+          <p:cNvPr id="3" name="矩形 2">
+            <a:extLst>
+              <a:ext uri="{FF2B5EF4-FFF2-40B4-BE49-F238E27FC236}">
+                <a16:creationId xmlns:a16="http://schemas.microsoft.com/office/drawing/2014/main" id="{32B09E97-9BFC-8E49-8431-DE3DACA91D30}"/>
+              </a:ext>
+            </a:extLst>
+          </p:cNvPr>
+          <p:cNvSpPr/>
+          <p:nvPr/>
+        </p:nvSpPr>
+        <p:spPr>
+          <a:xfrm>
+            <a:off x="5994178" y="4321590"/>
+            <a:ext cx="5395482" cy="1631216"/>
+          </a:xfrm>
+          <a:prstGeom prst="rect">
+            <a:avLst/>
+          </a:prstGeom>
+          <a:solidFill>
+            <a:schemeClr val="bg1">
+              <a:lumMod val="95000"/>
+            </a:schemeClr>
+          </a:solidFill>
+        </p:spPr>
+        <p:txBody>
+          <a:bodyPr wrap="square">
+            <a:spAutoFit/>
+          </a:bodyPr>
+          <a:lstStyle/>
+          <a:p>
+            <a:r>
+              <a:rPr lang="zh-CN" altLang="en-US" sz="1000" dirty="0">
+                <a:latin typeface="Courier New" panose="02070309020205020404" pitchFamily="49" charset="0"/>
+                <a:ea typeface="PingFang SC Thin" panose="020B0200000000000000" pitchFamily="34" charset="-122"/>
+                <a:cs typeface="Courier New" panose="02070309020205020404" pitchFamily="49" charset="0"/>
+              </a:rPr>
+              <a:t>function* NinjaGenerator(action){</a:t>
+            </a:r>
+          </a:p>
+          <a:p>
+            <a:r>
+              <a:rPr lang="zh-CN" altLang="en-US" sz="1000" dirty="0">
+                <a:latin typeface="Courier New" panose="02070309020205020404" pitchFamily="49" charset="0"/>
+                <a:ea typeface="PingFang SC Thin" panose="020B0200000000000000" pitchFamily="34" charset="-122"/>
+                <a:cs typeface="Courier New" panose="02070309020205020404" pitchFamily="49" charset="0"/>
+              </a:rPr>
+              <a:t>  const imposter = yield ("Hattori " + action); </a:t>
+            </a:r>
+          </a:p>
+          <a:p>
+            <a:r>
+              <a:rPr lang="zh-CN" altLang="en-US" sz="1000" dirty="0">
+                <a:latin typeface="Courier New" panose="02070309020205020404" pitchFamily="49" charset="0"/>
+                <a:ea typeface="PingFang SC Thin" panose="020B0200000000000000" pitchFamily="34" charset="-122"/>
+                <a:cs typeface="Courier New" panose="02070309020205020404" pitchFamily="49" charset="0"/>
+              </a:rPr>
+              <a:t>  const param = yield ("Yoshi (" + imposter + ") " + action); </a:t>
+            </a:r>
+          </a:p>
+          <a:p>
+            <a:r>
+              <a:rPr lang="zh-CN" altLang="en-US" sz="1000" dirty="0">
+                <a:latin typeface="Courier New" panose="02070309020205020404" pitchFamily="49" charset="0"/>
+                <a:ea typeface="PingFang SC Thin" panose="020B0200000000000000" pitchFamily="34" charset="-122"/>
+                <a:cs typeface="Courier New" panose="02070309020205020404" pitchFamily="49" charset="0"/>
+              </a:rPr>
+              <a:t>  console.log(param); //end</a:t>
+            </a:r>
+          </a:p>
+          <a:p>
+            <a:r>
+              <a:rPr lang="zh-CN" altLang="en-US" sz="1000" dirty="0">
+                <a:latin typeface="Courier New" panose="02070309020205020404" pitchFamily="49" charset="0"/>
+                <a:ea typeface="PingFang SC Thin" panose="020B0200000000000000" pitchFamily="34" charset="-122"/>
+                <a:cs typeface="Courier New" panose="02070309020205020404" pitchFamily="49" charset="0"/>
+              </a:rPr>
+              <a:t>}</a:t>
+            </a:r>
+          </a:p>
+          <a:p>
+            <a:endParaRPr lang="zh-CN" altLang="en-US" sz="1000" dirty="0">
+              <a:latin typeface="Courier New" panose="02070309020205020404" pitchFamily="49" charset="0"/>
+              <a:ea typeface="PingFang SC Thin" panose="020B0200000000000000" pitchFamily="34" charset="-122"/>
+              <a:cs typeface="Courier New" panose="02070309020205020404" pitchFamily="49" charset="0"/>
+            </a:endParaRPr>
+          </a:p>
+          <a:p>
+            <a:r>
+              <a:rPr lang="zh-CN" altLang="en-US" sz="1000" dirty="0">
+                <a:latin typeface="Courier New" panose="02070309020205020404" pitchFamily="49" charset="0"/>
+                <a:ea typeface="PingFang SC Thin" panose="020B0200000000000000" pitchFamily="34" charset="-122"/>
+                <a:cs typeface="Courier New" panose="02070309020205020404" pitchFamily="49" charset="0"/>
+              </a:rPr>
+              <a:t>const ninjaIterator = NinjaGenerator("skulk");</a:t>
+            </a:r>
+          </a:p>
+          <a:p>
+            <a:r>
+              <a:rPr lang="zh-CN" altLang="en-US" sz="1000" dirty="0">
+                <a:latin typeface="Courier New" panose="02070309020205020404" pitchFamily="49" charset="0"/>
+                <a:ea typeface="PingFang SC Thin" panose="020B0200000000000000" pitchFamily="34" charset="-122"/>
+                <a:cs typeface="Courier New" panose="02070309020205020404" pitchFamily="49" charset="0"/>
+              </a:rPr>
+              <a:t>const result1 = ninjaIterator.next();        //Hattori skulk</a:t>
+            </a:r>
+          </a:p>
+          <a:p>
+            <a:r>
+              <a:rPr lang="zh-CN" altLang="en-US" sz="1000" dirty="0">
+                <a:latin typeface="Courier New" panose="02070309020205020404" pitchFamily="49" charset="0"/>
+                <a:ea typeface="PingFang SC Thin" panose="020B0200000000000000" pitchFamily="34" charset="-122"/>
+                <a:cs typeface="Courier New" panose="02070309020205020404" pitchFamily="49" charset="0"/>
+              </a:rPr>
+              <a:t>const result2 = ninjaIterator.next("Hanzo"); //Yoshi (Hanzo) skulk</a:t>
+            </a:r>
+          </a:p>
+          <a:p>
+            <a:r>
+              <a:rPr lang="zh-CN" altLang="en-US" sz="1000" dirty="0">
+                <a:latin typeface="Courier New" panose="02070309020205020404" pitchFamily="49" charset="0"/>
+                <a:ea typeface="PingFang SC Thin" panose="020B0200000000000000" pitchFamily="34" charset="-122"/>
+                <a:cs typeface="Courier New" panose="02070309020205020404" pitchFamily="49" charset="0"/>
+              </a:rPr>
+              <a:t>const result3 = ninjaIterator.next("end");   //undefined</a:t>
+            </a:r>
+          </a:p>
+        </p:txBody>
+      </p:sp>
+      <p:sp>
+        <p:nvSpPr>
+          <p:cNvPr id="7" name="文本框 6">
+            <a:extLst>
+              <a:ext uri="{FF2B5EF4-FFF2-40B4-BE49-F238E27FC236}">
+                <a16:creationId xmlns:a16="http://schemas.microsoft.com/office/drawing/2014/main" id="{75B87D25-DD86-8C4A-8D7A-992DA5B34B9A}"/>
+              </a:ext>
+            </a:extLst>
+          </p:cNvPr>
+          <p:cNvSpPr txBox="1"/>
+          <p:nvPr/>
+        </p:nvSpPr>
+        <p:spPr>
+          <a:xfrm>
+            <a:off x="4566376" y="4321590"/>
+            <a:ext cx="1529624" cy="429156"/>
+          </a:xfrm>
+          <a:prstGeom prst="rect">
+            <a:avLst/>
+          </a:prstGeom>
+        </p:spPr>
+        <p:txBody>
+          <a:bodyPr wrap="square">
+            <a:spAutoFit/>
+          </a:bodyPr>
+          <a:lstStyle>
+            <a:defPPr>
+              <a:defRPr lang="zh-CN"/>
+            </a:defPPr>
+            <a:lvl1pPr>
+              <a:lnSpc>
+                <a:spcPct val="150000"/>
+              </a:lnSpc>
+              <a:defRPr b="0">
+                <a:solidFill>
+                  <a:schemeClr val="tx1">
+                    <a:lumMod val="75000"/>
+                    <a:lumOff val="25000"/>
+                  </a:schemeClr>
+                </a:solidFill>
+                <a:latin typeface="PingFang SC Thin" panose="020B0200000000000000" pitchFamily="34" charset="-122"/>
+                <a:ea typeface="PingFang SC Thin" panose="020B0200000000000000" pitchFamily="34" charset="-122"/>
+              </a:defRPr>
+            </a:lvl1pPr>
+          </a:lstStyle>
+          <a:p>
+            <a:r>
+              <a:rPr lang="zh-CN" altLang="en-US" sz="1600" dirty="0">
+                <a:solidFill>
+                  <a:srgbClr val="00B0F0"/>
+                </a:solidFill>
+              </a:rPr>
+              <a:t>与生成器交互</a:t>
+            </a:r>
+            <a:endParaRPr lang="en-US" altLang="zh-CN" sz="1600" dirty="0">
+              <a:solidFill>
+                <a:srgbClr val="00B0F0"/>
+              </a:solidFill>
+            </a:endParaRPr>
+          </a:p>
+        </p:txBody>
+      </p:sp>
+      <p:sp>
+        <p:nvSpPr>
+          <p:cNvPr id="8" name="文本框 7">
+            <a:extLst>
+              <a:ext uri="{FF2B5EF4-FFF2-40B4-BE49-F238E27FC236}">
+                <a16:creationId xmlns:a16="http://schemas.microsoft.com/office/drawing/2014/main" id="{3B6F38D7-F544-9F47-BAEC-27A625679B15}"/>
+              </a:ext>
+            </a:extLst>
+          </p:cNvPr>
+          <p:cNvSpPr txBox="1"/>
+          <p:nvPr/>
+        </p:nvSpPr>
+        <p:spPr>
+          <a:xfrm>
+            <a:off x="4464554" y="831097"/>
+            <a:ext cx="1529624" cy="429156"/>
+          </a:xfrm>
+          <a:prstGeom prst="rect">
+            <a:avLst/>
+          </a:prstGeom>
+        </p:spPr>
+        <p:txBody>
+          <a:bodyPr wrap="square">
+            <a:spAutoFit/>
+          </a:bodyPr>
+          <a:lstStyle>
+            <a:defPPr>
+              <a:defRPr lang="zh-CN"/>
+            </a:defPPr>
+            <a:lvl1pPr>
+              <a:lnSpc>
+                <a:spcPct val="150000"/>
+              </a:lnSpc>
+              <a:defRPr b="0">
+                <a:solidFill>
+                  <a:schemeClr val="tx1">
+                    <a:lumMod val="75000"/>
+                    <a:lumOff val="25000"/>
+                  </a:schemeClr>
+                </a:solidFill>
+                <a:latin typeface="PingFang SC Thin" panose="020B0200000000000000" pitchFamily="34" charset="-122"/>
+                <a:ea typeface="PingFang SC Thin" panose="020B0200000000000000" pitchFamily="34" charset="-122"/>
+              </a:defRPr>
+            </a:lvl1pPr>
+          </a:lstStyle>
+          <a:p>
+            <a:r>
+              <a:rPr lang="zh-CN" altLang="en-US" sz="1600" dirty="0">
+                <a:solidFill>
+                  <a:srgbClr val="00B0F0"/>
+                </a:solidFill>
+              </a:rPr>
+              <a:t>基本使用</a:t>
+            </a:r>
+            <a:endParaRPr lang="en-US" altLang="zh-CN" sz="1600" dirty="0">
+              <a:solidFill>
+                <a:srgbClr val="00B0F0"/>
+              </a:solidFill>
+            </a:endParaRPr>
+          </a:p>
+        </p:txBody>
+      </p:sp>
+    </p:spTree>
+    <p:extLst>
+      <p:ext uri="{BB962C8B-B14F-4D97-AF65-F5344CB8AC3E}">
+        <p14:creationId xmlns:p14="http://schemas.microsoft.com/office/powerpoint/2010/main" val="529423983"/>
+      </p:ext>
+    </p:extLst>
+  </p:cSld>
+  <p:clrMapOvr>
+    <a:masterClrMapping/>
+  </p:clrMapOvr>
+</p:sld>
+</file>
+
+<file path=ppt/slides/slide8.xml><?xml version="1.0" encoding="utf-8"?>
+<p:sld xmlns:a="http://schemas.openxmlformats.org/drawingml/2006/main" xmlns:r="http://schemas.openxmlformats.org/officeDocument/2006/relationships" xmlns:p="http://schemas.openxmlformats.org/presentationml/2006/main">
+  <p:cSld>
+    <p:spTree>
+      <p:nvGrpSpPr>
+        <p:cNvPr id="1" name=""/>
+        <p:cNvGrpSpPr/>
+        <p:nvPr/>
+      </p:nvGrpSpPr>
+      <p:grpSpPr>
+        <a:xfrm>
+          <a:off x="0" y="0"/>
+          <a:ext cx="0" cy="0"/>
+          <a:chOff x="0" y="0"/>
+          <a:chExt cx="0" cy="0"/>
+        </a:xfrm>
+      </p:grpSpPr>
+      <p:sp>
+        <p:nvSpPr>
+          <p:cNvPr id="47" name="文本框 46">
+            <a:extLst>
+              <a:ext uri="{FF2B5EF4-FFF2-40B4-BE49-F238E27FC236}">
+                <a16:creationId xmlns:a16="http://schemas.microsoft.com/office/drawing/2014/main" id="{E2EF3B4C-7775-4D07-AA7B-E56542739ED6}"/>
+              </a:ext>
+            </a:extLst>
+          </p:cNvPr>
+          <p:cNvSpPr txBox="1"/>
+          <p:nvPr/>
+        </p:nvSpPr>
+        <p:spPr>
+          <a:xfrm>
+            <a:off x="674238" y="630177"/>
             <a:ext cx="1415772" cy="830997"/>
           </a:xfrm>
           <a:prstGeom prst="rect">
@@ -3984,7 +4432,7 @@
 </p:sld>
 </file>
 
-<file path=ppt/slides/slide8.xml><?xml version="1.0" encoding="utf-8"?>
+<file path=ppt/slides/slide9.xml><?xml version="1.0" encoding="utf-8"?>
 <p:sld xmlns:a="http://schemas.openxmlformats.org/drawingml/2006/main" xmlns:r="http://schemas.openxmlformats.org/officeDocument/2006/relationships" xmlns:p="http://schemas.openxmlformats.org/presentationml/2006/main">
   <p:cSld>
     <p:spTree>

--- a/2 前端/《JavaScript忍者秘籍（第2版）》.pptx
+++ b/2 前端/《JavaScript忍者秘籍（第2版）》.pptx
@@ -208,7 +208,7 @@
           <a:p>
             <a:fld id="{7F25A8C7-CC1A-4A08-9B4B-31F43B054C7F}" type="datetimeFigureOut">
               <a:rPr lang="zh-CN" altLang="en-US" smtClean="0"/>
-              <a:t>2021/4/22</a:t>
+              <a:t>2021/4/23</a:t>
             </a:fld>
             <a:endParaRPr lang="zh-CN" altLang="en-US"/>
           </a:p>
@@ -504,7 +504,7 @@
           <a:p>
             <a:fld id="{760FBDFE-C587-4B4C-A407-44438C67B59E}" type="datetimeFigureOut">
               <a:rPr lang="zh-CN" altLang="en-US" smtClean="0"/>
-              <a:t>2021/4/22</a:t>
+              <a:t>2021/4/23</a:t>
             </a:fld>
             <a:endParaRPr lang="zh-CN" altLang="en-US"/>
           </a:p>
@@ -725,7 +725,7 @@
           <a:p>
             <a:fld id="{D997B5FA-0921-464F-AAE1-844C04324D75}" type="datetimeFigureOut">
               <a:rPr lang="zh-CN" altLang="en-US" smtClean="0"/>
-              <a:t>2021/4/22</a:t>
+              <a:t>2021/4/23</a:t>
             </a:fld>
             <a:endParaRPr lang="zh-CN" altLang="en-US" dirty="0"/>
           </a:p>
@@ -1354,6 +1354,108 @@
           </a:p>
         </p:txBody>
       </p:sp>
+      <p:sp>
+        <p:nvSpPr>
+          <p:cNvPr id="3" name="文本框 2">
+            <a:extLst>
+              <a:ext uri="{FF2B5EF4-FFF2-40B4-BE49-F238E27FC236}">
+                <a16:creationId xmlns:a16="http://schemas.microsoft.com/office/drawing/2014/main" id="{071B97BB-71A5-6048-8744-6C96CC4A8728}"/>
+              </a:ext>
+            </a:extLst>
+          </p:cNvPr>
+          <p:cNvSpPr txBox="1"/>
+          <p:nvPr/>
+        </p:nvSpPr>
+        <p:spPr>
+          <a:xfrm>
+            <a:off x="1434061" y="1939215"/>
+            <a:ext cx="891591" cy="886718"/>
+          </a:xfrm>
+          <a:prstGeom prst="rect">
+            <a:avLst/>
+          </a:prstGeom>
+        </p:spPr>
+        <p:txBody>
+          <a:bodyPr wrap="none">
+            <a:spAutoFit/>
+          </a:bodyPr>
+          <a:lstStyle>
+            <a:defPPr>
+              <a:defRPr lang="zh-CN"/>
+            </a:defPPr>
+            <a:lvl1pPr>
+              <a:defRPr sz="4000" b="1">
+                <a:solidFill>
+                  <a:schemeClr val="bg2">
+                    <a:lumMod val="90000"/>
+                  </a:schemeClr>
+                </a:solidFill>
+                <a:latin typeface="Open Sans"/>
+              </a:defRPr>
+            </a:lvl1pPr>
+          </a:lstStyle>
+          <a:p>
+            <a:pPr>
+              <a:lnSpc>
+                <a:spcPct val="150000"/>
+              </a:lnSpc>
+            </a:pPr>
+            <a:r>
+              <a:rPr lang="zh-CN" altLang="en-US" sz="1800" b="0" dirty="0">
+                <a:solidFill>
+                  <a:schemeClr val="tx1">
+                    <a:lumMod val="75000"/>
+                    <a:lumOff val="25000"/>
+                  </a:schemeClr>
+                </a:solidFill>
+                <a:latin typeface="PingFang SC Thin" panose="020B0200000000000000" pitchFamily="34" charset="-122"/>
+                <a:ea typeface="PingFang SC Thin" panose="020B0200000000000000" pitchFamily="34" charset="-122"/>
+              </a:rPr>
+              <a:t>闭包</a:t>
+            </a:r>
+            <a:endParaRPr lang="en-US" altLang="zh-CN" sz="1800" b="0" dirty="0">
+              <a:solidFill>
+                <a:schemeClr val="tx1">
+                  <a:lumMod val="75000"/>
+                  <a:lumOff val="25000"/>
+                </a:schemeClr>
+              </a:solidFill>
+              <a:latin typeface="PingFang SC Thin" panose="020B0200000000000000" pitchFamily="34" charset="-122"/>
+              <a:ea typeface="PingFang SC Thin" panose="020B0200000000000000" pitchFamily="34" charset="-122"/>
+            </a:endParaRPr>
+          </a:p>
+          <a:p>
+            <a:pPr>
+              <a:lnSpc>
+                <a:spcPct val="150000"/>
+              </a:lnSpc>
+            </a:pPr>
+            <a:r>
+              <a:rPr lang="zh-CN" altLang="en-US" sz="1800" b="0" dirty="0">
+                <a:solidFill>
+                  <a:schemeClr val="tx1">
+                    <a:lumMod val="75000"/>
+                    <a:lumOff val="25000"/>
+                  </a:schemeClr>
+                </a:solidFill>
+                <a:latin typeface="PingFang SC Thin" panose="020B0200000000000000" pitchFamily="34" charset="-122"/>
+                <a:ea typeface="PingFang SC Thin" panose="020B0200000000000000" pitchFamily="34" charset="-122"/>
+              </a:rPr>
+              <a:t>作用域</a:t>
+            </a:r>
+            <a:endParaRPr lang="en-US" altLang="zh-CN" sz="1800" b="0" dirty="0">
+              <a:solidFill>
+                <a:schemeClr val="tx1">
+                  <a:lumMod val="75000"/>
+                  <a:lumOff val="25000"/>
+                </a:schemeClr>
+              </a:solidFill>
+              <a:latin typeface="PingFang SC Thin" panose="020B0200000000000000" pitchFamily="34" charset="-122"/>
+              <a:ea typeface="PingFang SC Thin" panose="020B0200000000000000" pitchFamily="34" charset="-122"/>
+            </a:endParaRPr>
+          </a:p>
+        </p:txBody>
+      </p:sp>
     </p:spTree>
     <p:extLst>
       <p:ext uri="{BB962C8B-B14F-4D97-AF65-F5344CB8AC3E}">
@@ -4464,7 +4566,7 @@
         <p:spPr>
           <a:xfrm>
             <a:off x="674238" y="630177"/>
-            <a:ext cx="3262432" cy="830997"/>
+            <a:ext cx="2031325" cy="830997"/>
           </a:xfrm>
           <a:prstGeom prst="rect">
             <a:avLst/>
@@ -4496,7 +4598,7 @@
                   <a:srgbClr val="00B0F0"/>
                 </a:solidFill>
               </a:rPr>
-              <a:t>正则表达式</a:t>
+              <a:t>字符串</a:t>
             </a:r>
           </a:p>
         </p:txBody>
@@ -4515,8 +4617,8 @@
         </p:nvSpPr>
         <p:spPr>
           <a:xfrm>
-            <a:off x="1856545" y="2647789"/>
-            <a:ext cx="1598515" cy="886718"/>
+            <a:off x="674238" y="2565729"/>
+            <a:ext cx="1281120" cy="710194"/>
           </a:xfrm>
           <a:prstGeom prst="rect">
             <a:avLst/>
@@ -4548,17 +4650,17 @@
           </a:lstStyle>
           <a:p>
             <a:r>
-              <a:rPr lang="zh-CN" altLang="en-US" dirty="0"/>
+              <a:rPr lang="zh-CN" altLang="en-US" sz="1400" dirty="0"/>
               <a:t>字符串处理。</a:t>
             </a:r>
-            <a:endParaRPr lang="en-US" altLang="zh-CN" dirty="0"/>
-          </a:p>
-          <a:p>
-            <a:r>
-              <a:rPr lang="zh-CN" altLang="en-US" dirty="0"/>
+            <a:endParaRPr lang="en-US" altLang="zh-CN" sz="1400" dirty="0"/>
+          </a:p>
+          <a:p>
+            <a:r>
+              <a:rPr lang="zh-CN" altLang="en-US" sz="1400" dirty="0"/>
               <a:t>简洁、优雅。</a:t>
             </a:r>
-            <a:endParaRPr lang="en-US" altLang="zh-CN" dirty="0"/>
+            <a:endParaRPr lang="en-US" altLang="zh-CN" sz="1400" dirty="0"/>
           </a:p>
         </p:txBody>
       </p:sp>
@@ -4576,8 +4678,154 @@
         </p:nvSpPr>
         <p:spPr>
           <a:xfrm>
-            <a:off x="5203481" y="2647789"/>
-            <a:ext cx="1842171" cy="1717714"/>
+            <a:off x="2368223" y="2565729"/>
+            <a:ext cx="1475084" cy="1356525"/>
+          </a:xfrm>
+          <a:prstGeom prst="rect">
+            <a:avLst/>
+          </a:prstGeom>
+        </p:spPr>
+        <p:txBody>
+          <a:bodyPr wrap="none">
+            <a:spAutoFit/>
+          </a:bodyPr>
+          <a:lstStyle>
+            <a:defPPr>
+              <a:defRPr lang="zh-CN"/>
+            </a:defPPr>
+            <a:lvl1pPr>
+              <a:lnSpc>
+                <a:spcPct val="150000"/>
+              </a:lnSpc>
+              <a:defRPr sz="1400" b="0">
+                <a:solidFill>
+                  <a:schemeClr val="tx1">
+                    <a:lumMod val="75000"/>
+                    <a:lumOff val="25000"/>
+                  </a:schemeClr>
+                </a:solidFill>
+                <a:latin typeface="PingFang SC Thin" panose="020B0200000000000000" pitchFamily="34" charset="-122"/>
+                <a:ea typeface="PingFang SC Thin" panose="020B0200000000000000" pitchFamily="34" charset="-122"/>
+              </a:defRPr>
+            </a:lvl1pPr>
+          </a:lstStyle>
+          <a:p>
+            <a:r>
+              <a:rPr lang="zh-CN" altLang="en-US" dirty="0"/>
+              <a:t>术语和操作符</a:t>
+            </a:r>
+            <a:endParaRPr lang="en-US" altLang="zh-CN" dirty="0"/>
+          </a:p>
+          <a:p>
+            <a:r>
+              <a:rPr lang="zh-CN" altLang="en-US" dirty="0"/>
+              <a:t>修饰符</a:t>
+            </a:r>
+            <a:endParaRPr lang="en-US" altLang="zh-CN" dirty="0"/>
+          </a:p>
+          <a:p>
+            <a:r>
+              <a:rPr lang="zh-CN" altLang="en-US" dirty="0"/>
+              <a:t>捕获</a:t>
+            </a:r>
+            <a:endParaRPr lang="en-US" altLang="zh-CN" dirty="0"/>
+          </a:p>
+          <a:p>
+            <a:r>
+              <a:rPr lang="en-US" altLang="zh-CN" dirty="0" err="1"/>
+              <a:t>String.replace</a:t>
+            </a:r>
+            <a:r>
+              <a:rPr lang="en-US" altLang="zh-CN" dirty="0"/>
+              <a:t>()</a:t>
+            </a:r>
+          </a:p>
+        </p:txBody>
+      </p:sp>
+      <p:sp>
+        <p:nvSpPr>
+          <p:cNvPr id="5" name="文本框 4">
+            <a:extLst>
+              <a:ext uri="{FF2B5EF4-FFF2-40B4-BE49-F238E27FC236}">
+                <a16:creationId xmlns:a16="http://schemas.microsoft.com/office/drawing/2014/main" id="{A3CB1841-5E81-F548-A575-7EC52C1C2806}"/>
+              </a:ext>
+            </a:extLst>
+          </p:cNvPr>
+          <p:cNvSpPr txBox="1"/>
+          <p:nvPr/>
+        </p:nvSpPr>
+        <p:spPr>
+          <a:xfrm>
+            <a:off x="4319526" y="2565729"/>
+            <a:ext cx="732893" cy="1033360"/>
+          </a:xfrm>
+          <a:prstGeom prst="rect">
+            <a:avLst/>
+          </a:prstGeom>
+        </p:spPr>
+        <p:txBody>
+          <a:bodyPr wrap="none">
+            <a:spAutoFit/>
+          </a:bodyPr>
+          <a:lstStyle>
+            <a:defPPr>
+              <a:defRPr lang="zh-CN"/>
+            </a:defPPr>
+            <a:lvl1pPr>
+              <a:lnSpc>
+                <a:spcPct val="150000"/>
+              </a:lnSpc>
+              <a:defRPr sz="1400" b="0">
+                <a:solidFill>
+                  <a:schemeClr val="tx1">
+                    <a:lumMod val="75000"/>
+                    <a:lumOff val="25000"/>
+                  </a:schemeClr>
+                </a:solidFill>
+                <a:latin typeface="PingFang SC Thin" panose="020B0200000000000000" pitchFamily="34" charset="-122"/>
+                <a:ea typeface="PingFang SC Thin" panose="020B0200000000000000" pitchFamily="34" charset="-122"/>
+              </a:defRPr>
+            </a:lvl1pPr>
+          </a:lstStyle>
+          <a:p>
+            <a:r>
+              <a:rPr lang="zh-CN" altLang="en-US" dirty="0"/>
+              <a:t>示例</a:t>
+            </a:r>
+            <a:endParaRPr lang="en-US" altLang="zh-CN" dirty="0"/>
+          </a:p>
+          <a:p>
+            <a:r>
+              <a:rPr lang="zh-CN" altLang="en-US" dirty="0"/>
+              <a:t>面试题</a:t>
+            </a:r>
+            <a:endParaRPr lang="en-US" altLang="zh-CN" dirty="0"/>
+          </a:p>
+          <a:p>
+            <a:r>
+              <a:rPr lang="zh-CN" altLang="en-US" dirty="0"/>
+              <a:t>运用</a:t>
+            </a:r>
+            <a:endParaRPr lang="en-US" altLang="zh-CN" dirty="0"/>
+          </a:p>
+        </p:txBody>
+      </p:sp>
+      <p:sp>
+        <p:nvSpPr>
+          <p:cNvPr id="6" name="文本框 5">
+            <a:extLst>
+              <a:ext uri="{FF2B5EF4-FFF2-40B4-BE49-F238E27FC236}">
+                <a16:creationId xmlns:a16="http://schemas.microsoft.com/office/drawing/2014/main" id="{FE708CFF-F2A9-C245-830D-41DF084CADA7}"/>
+              </a:ext>
+            </a:extLst>
+          </p:cNvPr>
+          <p:cNvSpPr txBox="1"/>
+          <p:nvPr/>
+        </p:nvSpPr>
+        <p:spPr>
+          <a:xfrm>
+            <a:off x="674238" y="2246909"/>
+            <a:ext cx="1261884" cy="377411"/>
           </a:xfrm>
           <a:prstGeom prst="rect">
             <a:avLst/>
@@ -4609,43 +4857,25 @@
           </a:lstStyle>
           <a:p>
             <a:r>
-              <a:rPr lang="zh-CN" altLang="en-US" dirty="0"/>
-              <a:t>术语和操作符</a:t>
-            </a:r>
-            <a:endParaRPr lang="en-US" altLang="zh-CN" dirty="0"/>
-          </a:p>
-          <a:p>
-            <a:r>
-              <a:rPr lang="zh-CN" altLang="en-US" dirty="0"/>
-              <a:t>修饰符</a:t>
-            </a:r>
-            <a:endParaRPr lang="en-US" altLang="zh-CN" dirty="0"/>
-          </a:p>
-          <a:p>
-            <a:r>
-              <a:rPr lang="zh-CN" altLang="en-US" dirty="0"/>
-              <a:t>捕获</a:t>
-            </a:r>
-            <a:endParaRPr lang="en-US" altLang="zh-CN" dirty="0"/>
-          </a:p>
-          <a:p>
-            <a:r>
-              <a:rPr lang="en-US" altLang="zh-CN" dirty="0" err="1"/>
-              <a:t>String.replace</a:t>
-            </a:r>
-            <a:r>
-              <a:rPr lang="en-US" altLang="zh-CN" dirty="0"/>
-              <a:t>()</a:t>
-            </a:r>
-          </a:p>
-        </p:txBody>
-      </p:sp>
-      <p:sp>
-        <p:nvSpPr>
-          <p:cNvPr id="5" name="文本框 4">
+              <a:rPr lang="zh-CN" altLang="en-US" sz="1400" b="1" dirty="0">
+                <a:latin typeface="Microsoft YaHei" panose="020B0503020204020204" pitchFamily="34" charset="-122"/>
+                <a:ea typeface="Microsoft YaHei" panose="020B0503020204020204" pitchFamily="34" charset="-122"/>
+              </a:rPr>
+              <a:t>为什么需要？</a:t>
+            </a:r>
+            <a:endParaRPr lang="en-US" altLang="zh-CN" sz="1400" b="1" dirty="0">
+              <a:latin typeface="Microsoft YaHei" panose="020B0503020204020204" pitchFamily="34" charset="-122"/>
+              <a:ea typeface="Microsoft YaHei" panose="020B0503020204020204" pitchFamily="34" charset="-122"/>
+            </a:endParaRPr>
+          </a:p>
+        </p:txBody>
+      </p:sp>
+      <p:sp>
+        <p:nvSpPr>
+          <p:cNvPr id="7" name="文本框 6">
             <a:extLst>
               <a:ext uri="{FF2B5EF4-FFF2-40B4-BE49-F238E27FC236}">
-                <a16:creationId xmlns:a16="http://schemas.microsoft.com/office/drawing/2014/main" id="{A3CB1841-5E81-F548-A575-7EC52C1C2806}"/>
+                <a16:creationId xmlns:a16="http://schemas.microsoft.com/office/drawing/2014/main" id="{04CC5995-7842-9D4A-BBD0-5B8DD9AF41D9}"/>
               </a:ext>
             </a:extLst>
           </p:cNvPr>
@@ -4654,8 +4884,8 @@
         </p:nvSpPr>
         <p:spPr>
           <a:xfrm>
-            <a:off x="8585586" y="2647789"/>
-            <a:ext cx="891591" cy="1302216"/>
+            <a:off x="2368223" y="2246909"/>
+            <a:ext cx="902811" cy="377411"/>
           </a:xfrm>
           <a:prstGeom prst="rect">
             <a:avLst/>
@@ -4673,47 +4903,33 @@
               <a:lnSpc>
                 <a:spcPct val="150000"/>
               </a:lnSpc>
-              <a:defRPr b="0">
+              <a:defRPr sz="1400" b="1">
                 <a:solidFill>
                   <a:schemeClr val="tx1">
                     <a:lumMod val="75000"/>
                     <a:lumOff val="25000"/>
                   </a:schemeClr>
                 </a:solidFill>
-                <a:latin typeface="PingFang SC Thin" panose="020B0200000000000000" pitchFamily="34" charset="-122"/>
-                <a:ea typeface="PingFang SC Thin" panose="020B0200000000000000" pitchFamily="34" charset="-122"/>
+                <a:latin typeface="Microsoft YaHei" panose="020B0503020204020204" pitchFamily="34" charset="-122"/>
+                <a:ea typeface="Microsoft YaHei" panose="020B0503020204020204" pitchFamily="34" charset="-122"/>
               </a:defRPr>
             </a:lvl1pPr>
           </a:lstStyle>
           <a:p>
             <a:r>
               <a:rPr lang="zh-CN" altLang="en-US" dirty="0"/>
-              <a:t>示例</a:t>
+              <a:t>如何做？</a:t>
             </a:r>
             <a:endParaRPr lang="en-US" altLang="zh-CN" dirty="0"/>
           </a:p>
-          <a:p>
-            <a:r>
-              <a:rPr lang="zh-CN" altLang="en-US" dirty="0"/>
-              <a:t>面试题</a:t>
-            </a:r>
-            <a:endParaRPr lang="en-US" altLang="zh-CN" dirty="0"/>
-          </a:p>
-          <a:p>
-            <a:r>
-              <a:rPr lang="zh-CN" altLang="en-US" dirty="0"/>
-              <a:t>运用</a:t>
-            </a:r>
-            <a:endParaRPr lang="en-US" altLang="zh-CN" dirty="0"/>
-          </a:p>
-        </p:txBody>
-      </p:sp>
-      <p:sp>
-        <p:nvSpPr>
-          <p:cNvPr id="6" name="文本框 5">
+        </p:txBody>
+      </p:sp>
+      <p:sp>
+        <p:nvSpPr>
+          <p:cNvPr id="8" name="文本框 7">
             <a:extLst>
               <a:ext uri="{FF2B5EF4-FFF2-40B4-BE49-F238E27FC236}">
-                <a16:creationId xmlns:a16="http://schemas.microsoft.com/office/drawing/2014/main" id="{FE708CFF-F2A9-C245-830D-41DF084CADA7}"/>
+                <a16:creationId xmlns:a16="http://schemas.microsoft.com/office/drawing/2014/main" id="{7A463B78-1E8A-6941-8895-CC608CD78E1A}"/>
               </a:ext>
             </a:extLst>
           </p:cNvPr>
@@ -4722,8 +4938,8 @@
         </p:nvSpPr>
         <p:spPr>
           <a:xfrm>
-            <a:off x="1856545" y="2106232"/>
-            <a:ext cx="1598515" cy="471219"/>
+            <a:off x="4319526" y="2246909"/>
+            <a:ext cx="1082348" cy="377411"/>
           </a:xfrm>
           <a:prstGeom prst="rect">
             <a:avLst/>
@@ -4741,45 +4957,33 @@
               <a:lnSpc>
                 <a:spcPct val="150000"/>
               </a:lnSpc>
-              <a:defRPr b="0">
+              <a:defRPr sz="1400" b="1">
                 <a:solidFill>
                   <a:schemeClr val="tx1">
                     <a:lumMod val="75000"/>
                     <a:lumOff val="25000"/>
                   </a:schemeClr>
                 </a:solidFill>
-                <a:latin typeface="PingFang SC Thin" panose="020B0200000000000000" pitchFamily="34" charset="-122"/>
-                <a:ea typeface="PingFang SC Thin" panose="020B0200000000000000" pitchFamily="34" charset="-122"/>
+                <a:latin typeface="Microsoft YaHei" panose="020B0503020204020204" pitchFamily="34" charset="-122"/>
+                <a:ea typeface="Microsoft YaHei" panose="020B0503020204020204" pitchFamily="34" charset="-122"/>
               </a:defRPr>
             </a:lvl1pPr>
           </a:lstStyle>
           <a:p>
             <a:r>
-              <a:rPr lang="zh-CN" altLang="en-US" b="1" dirty="0">
-                <a:solidFill>
-                  <a:srgbClr val="E43500"/>
-                </a:solidFill>
-                <a:latin typeface="Microsoft YaHei" panose="020B0503020204020204" pitchFamily="34" charset="-122"/>
-                <a:ea typeface="Microsoft YaHei" panose="020B0503020204020204" pitchFamily="34" charset="-122"/>
-              </a:rPr>
-              <a:t>为什么需要？</a:t>
-            </a:r>
-            <a:endParaRPr lang="en-US" altLang="zh-CN" b="1" dirty="0">
-              <a:solidFill>
-                <a:srgbClr val="E43500"/>
-              </a:solidFill>
-              <a:latin typeface="Microsoft YaHei" panose="020B0503020204020204" pitchFamily="34" charset="-122"/>
-              <a:ea typeface="Microsoft YaHei" panose="020B0503020204020204" pitchFamily="34" charset="-122"/>
-            </a:endParaRPr>
-          </a:p>
-        </p:txBody>
-      </p:sp>
-      <p:sp>
-        <p:nvSpPr>
-          <p:cNvPr id="7" name="文本框 6">
+              <a:rPr lang="zh-CN" altLang="en-US" dirty="0"/>
+              <a:t>效果怎样？</a:t>
+            </a:r>
+            <a:endParaRPr lang="en-US" altLang="zh-CN" dirty="0"/>
+          </a:p>
+        </p:txBody>
+      </p:sp>
+      <p:sp>
+        <p:nvSpPr>
+          <p:cNvPr id="9" name="文本框 8">
             <a:extLst>
               <a:ext uri="{FF2B5EF4-FFF2-40B4-BE49-F238E27FC236}">
-                <a16:creationId xmlns:a16="http://schemas.microsoft.com/office/drawing/2014/main" id="{04CC5995-7842-9D4A-BBD0-5B8DD9AF41D9}"/>
+                <a16:creationId xmlns:a16="http://schemas.microsoft.com/office/drawing/2014/main" id="{70925259-9542-8B42-A011-3DFD2DC41652}"/>
               </a:ext>
             </a:extLst>
           </p:cNvPr>
@@ -4788,8 +4992,8 @@
         </p:nvSpPr>
         <p:spPr>
           <a:xfrm>
-            <a:off x="5245881" y="2106232"/>
-            <a:ext cx="1127232" cy="471219"/>
+            <a:off x="674238" y="1736250"/>
+            <a:ext cx="1338828" cy="458908"/>
           </a:xfrm>
           <a:prstGeom prst="rect">
             <a:avLst/>
@@ -4807,102 +5011,20 @@
               <a:lnSpc>
                 <a:spcPct val="150000"/>
               </a:lnSpc>
-              <a:defRPr b="0">
-                <a:solidFill>
-                  <a:schemeClr val="tx1">
-                    <a:lumMod val="75000"/>
-                    <a:lumOff val="25000"/>
-                  </a:schemeClr>
-                </a:solidFill>
-                <a:latin typeface="PingFang SC Thin" panose="020B0200000000000000" pitchFamily="34" charset="-122"/>
-                <a:ea typeface="PingFang SC Thin" panose="020B0200000000000000" pitchFamily="34" charset="-122"/>
+              <a:defRPr b="1">
+                <a:solidFill>
+                  <a:srgbClr val="E43500"/>
+                </a:solidFill>
+                <a:latin typeface="Microsoft YaHei" panose="020B0503020204020204" pitchFamily="34" charset="-122"/>
+                <a:ea typeface="Microsoft YaHei" panose="020B0503020204020204" pitchFamily="34" charset="-122"/>
               </a:defRPr>
             </a:lvl1pPr>
           </a:lstStyle>
           <a:p>
             <a:r>
-              <a:rPr lang="zh-CN" altLang="en-US" b="1" dirty="0">
-                <a:solidFill>
-                  <a:srgbClr val="E43500"/>
-                </a:solidFill>
-                <a:latin typeface="Microsoft YaHei" panose="020B0503020204020204" pitchFamily="34" charset="-122"/>
-                <a:ea typeface="Microsoft YaHei" panose="020B0503020204020204" pitchFamily="34" charset="-122"/>
-              </a:rPr>
-              <a:t>如何做？</a:t>
-            </a:r>
-            <a:endParaRPr lang="en-US" altLang="zh-CN" b="1" dirty="0">
-              <a:solidFill>
-                <a:srgbClr val="E43500"/>
-              </a:solidFill>
-              <a:latin typeface="Microsoft YaHei" panose="020B0503020204020204" pitchFamily="34" charset="-122"/>
-              <a:ea typeface="Microsoft YaHei" panose="020B0503020204020204" pitchFamily="34" charset="-122"/>
-            </a:endParaRPr>
-          </a:p>
-        </p:txBody>
-      </p:sp>
-      <p:sp>
-        <p:nvSpPr>
-          <p:cNvPr id="8" name="文本框 7">
-            <a:extLst>
-              <a:ext uri="{FF2B5EF4-FFF2-40B4-BE49-F238E27FC236}">
-                <a16:creationId xmlns:a16="http://schemas.microsoft.com/office/drawing/2014/main" id="{7A463B78-1E8A-6941-8895-CC608CD78E1A}"/>
-              </a:ext>
-            </a:extLst>
-          </p:cNvPr>
-          <p:cNvSpPr txBox="1"/>
-          <p:nvPr/>
-        </p:nvSpPr>
-        <p:spPr>
-          <a:xfrm>
-            <a:off x="8467765" y="2106232"/>
-            <a:ext cx="1362874" cy="471219"/>
-          </a:xfrm>
-          <a:prstGeom prst="rect">
-            <a:avLst/>
-          </a:prstGeom>
-        </p:spPr>
-        <p:txBody>
-          <a:bodyPr wrap="none">
-            <a:spAutoFit/>
-          </a:bodyPr>
-          <a:lstStyle>
-            <a:defPPr>
-              <a:defRPr lang="zh-CN"/>
-            </a:defPPr>
-            <a:lvl1pPr>
-              <a:lnSpc>
-                <a:spcPct val="150000"/>
-              </a:lnSpc>
-              <a:defRPr b="0">
-                <a:solidFill>
-                  <a:schemeClr val="tx1">
-                    <a:lumMod val="75000"/>
-                    <a:lumOff val="25000"/>
-                  </a:schemeClr>
-                </a:solidFill>
-                <a:latin typeface="PingFang SC Thin" panose="020B0200000000000000" pitchFamily="34" charset="-122"/>
-                <a:ea typeface="PingFang SC Thin" panose="020B0200000000000000" pitchFamily="34" charset="-122"/>
-              </a:defRPr>
-            </a:lvl1pPr>
-          </a:lstStyle>
-          <a:p>
-            <a:r>
-              <a:rPr lang="zh-CN" altLang="en-US" b="1" dirty="0">
-                <a:solidFill>
-                  <a:srgbClr val="E43500"/>
-                </a:solidFill>
-                <a:latin typeface="Microsoft YaHei" panose="020B0503020204020204" pitchFamily="34" charset="-122"/>
-                <a:ea typeface="Microsoft YaHei" panose="020B0503020204020204" pitchFamily="34" charset="-122"/>
-              </a:rPr>
-              <a:t>效果怎样？</a:t>
-            </a:r>
-            <a:endParaRPr lang="en-US" altLang="zh-CN" b="1" dirty="0">
-              <a:solidFill>
-                <a:srgbClr val="E43500"/>
-              </a:solidFill>
-              <a:latin typeface="Microsoft YaHei" panose="020B0503020204020204" pitchFamily="34" charset="-122"/>
-              <a:ea typeface="Microsoft YaHei" panose="020B0503020204020204" pitchFamily="34" charset="-122"/>
-            </a:endParaRPr>
+              <a:rPr lang="zh-CN" altLang="en-US" dirty="0"/>
+              <a:t>正则表达式</a:t>
+            </a:r>
           </a:p>
         </p:txBody>
       </p:sp>
